--- a/session_seven/session_seven_presentation.pptx
+++ b/session_seven/session_seven_presentation.pptx
@@ -8,10 +8,10 @@
     <p:sldMasterId id="2147483656" r:id="rId8"/>
   </p:sldMasterIdLst>
   <p:notesMasterIdLst>
-    <p:notesMasterId r:id="rId23"/>
+    <p:notesMasterId r:id="rId24"/>
   </p:notesMasterIdLst>
   <p:handoutMasterIdLst>
-    <p:handoutMasterId r:id="rId24"/>
+    <p:handoutMasterId r:id="rId25"/>
   </p:handoutMasterIdLst>
   <p:sldIdLst>
     <p:sldId id="386" r:id="rId9"/>
@@ -28,11 +28,12 @@
     <p:sldId id="472" r:id="rId20"/>
     <p:sldId id="473" r:id="rId21"/>
     <p:sldId id="474" r:id="rId22"/>
+    <p:sldId id="475" r:id="rId23"/>
   </p:sldIdLst>
   <p:sldSz cx="9144000" cy="5143500" type="screen16x9"/>
   <p:notesSz cx="6670675" cy="9875838"/>
   <p:custDataLst>
-    <p:tags r:id="rId25"/>
+    <p:tags r:id="rId26"/>
   </p:custDataLst>
   <p:defaultTextStyle>
     <a:defPPr>
@@ -1480,6 +1481,91 @@
 </p:notes>
 </file>
 
+<file path=ppt/notesSlides/notesSlide10.xml><?xml version="1.0" encoding="utf-8"?>
+<p:notes xmlns:a="http://schemas.openxmlformats.org/drawingml/2006/main" xmlns:r="http://schemas.openxmlformats.org/officeDocument/2006/relationships" xmlns:p="http://schemas.openxmlformats.org/presentationml/2006/main">
+  <p:cSld>
+    <p:spTree>
+      <p:nvGrpSpPr>
+        <p:cNvPr id="1" name=""/>
+        <p:cNvGrpSpPr/>
+        <p:nvPr/>
+      </p:nvGrpSpPr>
+      <p:grpSpPr>
+        <a:xfrm>
+          <a:off x="0" y="0"/>
+          <a:ext cx="0" cy="0"/>
+          <a:chOff x="0" y="0"/>
+          <a:chExt cx="0" cy="0"/>
+        </a:xfrm>
+      </p:grpSpPr>
+      <p:sp>
+        <p:nvSpPr>
+          <p:cNvPr id="2" name="Slide Image Placeholder 1"/>
+          <p:cNvSpPr>
+            <a:spLocks noGrp="1" noRot="1" noChangeAspect="1"/>
+          </p:cNvSpPr>
+          <p:nvPr>
+            <p:ph type="sldImg"/>
+          </p:nvPr>
+        </p:nvSpPr>
+        <p:spPr/>
+      </p:sp>
+      <p:sp>
+        <p:nvSpPr>
+          <p:cNvPr id="3" name="Notes Placeholder 2"/>
+          <p:cNvSpPr>
+            <a:spLocks noGrp="1"/>
+          </p:cNvSpPr>
+          <p:nvPr>
+            <p:ph type="body" idx="1"/>
+          </p:nvPr>
+        </p:nvSpPr>
+        <p:spPr/>
+        <p:txBody>
+          <a:bodyPr/>
+          <a:lstStyle/>
+          <a:p>
+            <a:endParaRPr lang="en-GB" dirty="0"/>
+          </a:p>
+        </p:txBody>
+      </p:sp>
+      <p:sp>
+        <p:nvSpPr>
+          <p:cNvPr id="4" name="Slide Number Placeholder 3"/>
+          <p:cNvSpPr>
+            <a:spLocks noGrp="1"/>
+          </p:cNvSpPr>
+          <p:nvPr>
+            <p:ph type="sldNum" sz="quarter" idx="5"/>
+          </p:nvPr>
+        </p:nvSpPr>
+        <p:spPr/>
+        <p:txBody>
+          <a:bodyPr/>
+          <a:lstStyle/>
+          <a:p>
+            <a:fld id="{FAD751AE-7ABC-314D-AFAD-47B860ED6FFE}" type="slidenum">
+              <a:rPr lang="en-US" smtClean="0"/>
+              <a:pPr/>
+              <a:t>15</a:t>
+            </a:fld>
+            <a:endParaRPr lang="en-US"/>
+          </a:p>
+        </p:txBody>
+      </p:sp>
+    </p:spTree>
+    <p:extLst>
+      <p:ext uri="{BB962C8B-B14F-4D97-AF65-F5344CB8AC3E}">
+        <p14:creationId xmlns:p14="http://schemas.microsoft.com/office/powerpoint/2010/main" val="1492911542"/>
+      </p:ext>
+    </p:extLst>
+  </p:cSld>
+  <p:clrMapOvr>
+    <a:masterClrMapping/>
+  </p:clrMapOvr>
+</p:notes>
+</file>
+
 <file path=ppt/notesSlides/notesSlide2.xml><?xml version="1.0" encoding="utf-8"?>
 <p:notes xmlns:a="http://schemas.openxmlformats.org/drawingml/2006/main" xmlns:r="http://schemas.openxmlformats.org/officeDocument/2006/relationships" xmlns:p="http://schemas.openxmlformats.org/presentationml/2006/main">
   <p:cSld>
@@ -30445,6 +30531,183 @@
     <p:extLst>
       <p:ext uri="{BB962C8B-B14F-4D97-AF65-F5344CB8AC3E}">
         <p14:creationId xmlns:p14="http://schemas.microsoft.com/office/powerpoint/2010/main" val="3469896898"/>
+      </p:ext>
+    </p:extLst>
+  </p:cSld>
+  <p:clrMapOvr>
+    <a:masterClrMapping/>
+  </p:clrMapOvr>
+</p:sld>
+</file>
+
+<file path=ppt/slides/slide15.xml><?xml version="1.0" encoding="utf-8"?>
+<p:sld xmlns:a="http://schemas.openxmlformats.org/drawingml/2006/main" xmlns:r="http://schemas.openxmlformats.org/officeDocument/2006/relationships" xmlns:p="http://schemas.openxmlformats.org/presentationml/2006/main">
+  <p:cSld>
+    <p:spTree>
+      <p:nvGrpSpPr>
+        <p:cNvPr id="1" name=""/>
+        <p:cNvGrpSpPr/>
+        <p:nvPr/>
+      </p:nvGrpSpPr>
+      <p:grpSpPr>
+        <a:xfrm>
+          <a:off x="0" y="0"/>
+          <a:ext cx="0" cy="0"/>
+          <a:chOff x="0" y="0"/>
+          <a:chExt cx="0" cy="0"/>
+        </a:xfrm>
+      </p:grpSpPr>
+      <p:sp>
+        <p:nvSpPr>
+          <p:cNvPr id="2" name="Title 1">
+            <a:extLst>
+              <a:ext uri="{FF2B5EF4-FFF2-40B4-BE49-F238E27FC236}">
+                <a16:creationId xmlns:a16="http://schemas.microsoft.com/office/drawing/2014/main" id="{F7DA9A4F-1DFD-49DB-8569-F5AB18BD6161}"/>
+              </a:ext>
+            </a:extLst>
+          </p:cNvPr>
+          <p:cNvSpPr>
+            <a:spLocks noGrp="1"/>
+          </p:cNvSpPr>
+          <p:nvPr>
+            <p:ph type="title"/>
+          </p:nvPr>
+        </p:nvSpPr>
+        <p:spPr/>
+        <p:txBody>
+          <a:bodyPr/>
+          <a:lstStyle/>
+          <a:p>
+            <a:r>
+              <a:rPr lang="en-GB" dirty="0"/>
+              <a:t>Tangent: APIs and JSON</a:t>
+            </a:r>
+          </a:p>
+        </p:txBody>
+      </p:sp>
+      <p:sp>
+        <p:nvSpPr>
+          <p:cNvPr id="3" name="Slide Number Placeholder 2">
+            <a:extLst>
+              <a:ext uri="{FF2B5EF4-FFF2-40B4-BE49-F238E27FC236}">
+                <a16:creationId xmlns:a16="http://schemas.microsoft.com/office/drawing/2014/main" id="{7C3E703A-A386-472F-AD27-D2D983CC7A66}"/>
+              </a:ext>
+            </a:extLst>
+          </p:cNvPr>
+          <p:cNvSpPr>
+            <a:spLocks noGrp="1"/>
+          </p:cNvSpPr>
+          <p:nvPr>
+            <p:ph type="sldNum" sz="quarter" idx="4"/>
+          </p:nvPr>
+        </p:nvSpPr>
+        <p:spPr/>
+        <p:txBody>
+          <a:bodyPr/>
+          <a:lstStyle/>
+          <a:p>
+            <a:fld id="{3C4F54F3-C349-4609-AFEE-01462D5C7942}" type="slidenum">
+              <a:rPr lang="en-GB" smtClean="0"/>
+              <a:pPr/>
+              <a:t>15</a:t>
+            </a:fld>
+            <a:endParaRPr lang="en-GB"/>
+          </a:p>
+        </p:txBody>
+      </p:sp>
+      <p:pic>
+        <p:nvPicPr>
+          <p:cNvPr id="11" name="Picture 10">
+            <a:extLst>
+              <a:ext uri="{FF2B5EF4-FFF2-40B4-BE49-F238E27FC236}">
+                <a16:creationId xmlns:a16="http://schemas.microsoft.com/office/drawing/2014/main" id="{AE10D547-F5D1-43D9-93EA-E166E3C73F57}"/>
+              </a:ext>
+            </a:extLst>
+          </p:cNvPr>
+          <p:cNvPicPr>
+            <a:picLocks noChangeAspect="1"/>
+          </p:cNvPicPr>
+          <p:nvPr/>
+        </p:nvPicPr>
+        <p:blipFill rotWithShape="1">
+          <a:blip r:embed="rId3"/>
+          <a:srcRect l="2982" t="3174" r="2869" b="2900"/>
+          <a:stretch/>
+        </p:blipFill>
+        <p:spPr>
+          <a:xfrm>
+            <a:off x="8576572" y="4598283"/>
+            <a:ext cx="498106" cy="496941"/>
+          </a:xfrm>
+          <a:prstGeom prst="ellipse">
+            <a:avLst/>
+          </a:prstGeom>
+        </p:spPr>
+      </p:pic>
+      <p:pic>
+        <p:nvPicPr>
+          <p:cNvPr id="4" name="Picture 3">
+            <a:extLst>
+              <a:ext uri="{FF2B5EF4-FFF2-40B4-BE49-F238E27FC236}">
+                <a16:creationId xmlns:a16="http://schemas.microsoft.com/office/drawing/2014/main" id="{FA6CBD08-E586-4797-BAE3-DB7EDD9A371F}"/>
+              </a:ext>
+            </a:extLst>
+          </p:cNvPr>
+          <p:cNvPicPr>
+            <a:picLocks noChangeAspect="1"/>
+          </p:cNvPicPr>
+          <p:nvPr/>
+        </p:nvPicPr>
+        <p:blipFill>
+          <a:blip r:embed="rId4"/>
+          <a:stretch>
+            <a:fillRect/>
+          </a:stretch>
+        </p:blipFill>
+        <p:spPr>
+          <a:xfrm>
+            <a:off x="2332994" y="824331"/>
+            <a:ext cx="4478012" cy="2168699"/>
+          </a:xfrm>
+          <a:prstGeom prst="rect">
+            <a:avLst/>
+          </a:prstGeom>
+        </p:spPr>
+      </p:pic>
+      <p:pic>
+        <p:nvPicPr>
+          <p:cNvPr id="6" name="Picture 5">
+            <a:extLst>
+              <a:ext uri="{FF2B5EF4-FFF2-40B4-BE49-F238E27FC236}">
+                <a16:creationId xmlns:a16="http://schemas.microsoft.com/office/drawing/2014/main" id="{89036E8B-AD85-4E61-B119-17A3024A3D07}"/>
+              </a:ext>
+            </a:extLst>
+          </p:cNvPr>
+          <p:cNvPicPr>
+            <a:picLocks noChangeAspect="1"/>
+          </p:cNvPicPr>
+          <p:nvPr/>
+        </p:nvPicPr>
+        <p:blipFill>
+          <a:blip r:embed="rId5"/>
+          <a:stretch>
+            <a:fillRect/>
+          </a:stretch>
+        </p:blipFill>
+        <p:spPr>
+          <a:xfrm>
+            <a:off x="2048256" y="3234819"/>
+            <a:ext cx="5047488" cy="1560503"/>
+          </a:xfrm>
+          <a:prstGeom prst="rect">
+            <a:avLst/>
+          </a:prstGeom>
+        </p:spPr>
+      </p:pic>
+    </p:spTree>
+    <p:extLst>
+      <p:ext uri="{BB962C8B-B14F-4D97-AF65-F5344CB8AC3E}">
+        <p14:creationId xmlns:p14="http://schemas.microsoft.com/office/powerpoint/2010/main" val="2600252083"/>
       </p:ext>
     </p:extLst>
   </p:cSld>
@@ -36770,11 +37033,7 @@
 
 <file path=customXml/item1.xml><?xml version="1.0" encoding="utf-8"?>
 <?mso-contentType ?>
-<FormTemplates xmlns="http://schemas.microsoft.com/sharepoint/v3/contenttype/forms">
-  <Display>DocumentLibraryForm</Display>
-  <Edit>DocumentLibraryForm</Edit>
-  <New>DocumentLibraryForm</New>
-</FormTemplates>
+<SharedContentType xmlns="Microsoft.SharePoint.Taxonomy.ContentTypeSync" SourceId="1ee89e71-04cd-405e-9ca3-99e020c1694d" ContentTypeId="0x0101" PreviousValue="false"/>
 </file>
 
 <file path=customXml/item2.xml><?xml version="1.0" encoding="utf-8"?>
@@ -36958,7 +37217,11 @@
 
 <file path=customXml/item3.xml><?xml version="1.0" encoding="utf-8"?>
 <?mso-contentType ?>
-<SharedContentType xmlns="Microsoft.SharePoint.Taxonomy.ContentTypeSync" SourceId="1ee89e71-04cd-405e-9ca3-99e020c1694d" ContentTypeId="0x0101" PreviousValue="false"/>
+<FormTemplates xmlns="http://schemas.microsoft.com/sharepoint/v3/contenttype/forms">
+  <Display>DocumentLibraryForm</Display>
+  <Edit>DocumentLibraryForm</Edit>
+  <New>DocumentLibraryForm</New>
+</FormTemplates>
 </file>
 
 <file path=customXml/item4.xml><?xml version="1.0" encoding="utf-8"?>
@@ -36971,9 +37234,9 @@
 </file>
 
 <file path=customXml/itemProps1.xml><?xml version="1.0" encoding="utf-8"?>
-<ds:datastoreItem xmlns:ds="http://schemas.openxmlformats.org/officeDocument/2006/customXml" ds:itemID="{BEBDFA33-3959-412D-BF65-F572B77FF4EC}">
+<ds:datastoreItem xmlns:ds="http://schemas.openxmlformats.org/officeDocument/2006/customXml" ds:itemID="{91989A13-6EBC-4BFF-A25C-E4D3CAAA08AF}">
   <ds:schemaRefs>
-    <ds:schemaRef ds:uri="http://schemas.microsoft.com/sharepoint/v3/contenttype/forms"/>
+    <ds:schemaRef ds:uri="Microsoft.SharePoint.Taxonomy.ContentTypeSync"/>
   </ds:schemaRefs>
 </ds:datastoreItem>
 </file>
@@ -36998,9 +37261,9 @@
 </file>
 
 <file path=customXml/itemProps3.xml><?xml version="1.0" encoding="utf-8"?>
-<ds:datastoreItem xmlns:ds="http://schemas.openxmlformats.org/officeDocument/2006/customXml" ds:itemID="{91989A13-6EBC-4BFF-A25C-E4D3CAAA08AF}">
+<ds:datastoreItem xmlns:ds="http://schemas.openxmlformats.org/officeDocument/2006/customXml" ds:itemID="{BEBDFA33-3959-412D-BF65-F572B77FF4EC}">
   <ds:schemaRefs>
-    <ds:schemaRef ds:uri="Microsoft.SharePoint.Taxonomy.ContentTypeSync"/>
+    <ds:schemaRef ds:uri="http://schemas.microsoft.com/sharepoint/v3/contenttype/forms"/>
   </ds:schemaRefs>
 </ds:datastoreItem>
 </file>

--- a/session_seven/session_seven_presentation.pptx
+++ b/session_seven/session_seven_presentation.pptx
@@ -28061,7 +28061,7 @@
 </file>
 
 <file path=ppt/slides/slide10.xml><?xml version="1.0" encoding="utf-8"?>
-<p:sld xmlns:a="http://schemas.openxmlformats.org/drawingml/2006/main" xmlns:r="http://schemas.openxmlformats.org/officeDocument/2006/relationships" xmlns:p="http://schemas.openxmlformats.org/presentationml/2006/main">
+<p:sld xmlns:a="http://schemas.openxmlformats.org/drawingml/2006/main" xmlns:r="http://schemas.openxmlformats.org/officeDocument/2006/relationships" xmlns:p="http://schemas.openxmlformats.org/presentationml/2006/main" showMasterSp="0">
   <p:cSld>
     <p:spTree>
       <p:nvGrpSpPr>
@@ -28505,7 +28505,7 @@
 </file>
 
 <file path=ppt/slides/slide11.xml><?xml version="1.0" encoding="utf-8"?>
-<p:sld xmlns:a="http://schemas.openxmlformats.org/drawingml/2006/main" xmlns:r="http://schemas.openxmlformats.org/officeDocument/2006/relationships" xmlns:p="http://schemas.openxmlformats.org/presentationml/2006/main">
+<p:sld xmlns:a="http://schemas.openxmlformats.org/drawingml/2006/main" xmlns:r="http://schemas.openxmlformats.org/officeDocument/2006/relationships" xmlns:p="http://schemas.openxmlformats.org/presentationml/2006/main" showMasterSp="0">
   <p:cSld>
     <p:spTree>
       <p:nvGrpSpPr>
@@ -28682,7 +28682,7 @@
 </file>
 
 <file path=ppt/slides/slide12.xml><?xml version="1.0" encoding="utf-8"?>
-<p:sld xmlns:a="http://schemas.openxmlformats.org/drawingml/2006/main" xmlns:r="http://schemas.openxmlformats.org/officeDocument/2006/relationships" xmlns:p="http://schemas.openxmlformats.org/presentationml/2006/main">
+<p:sld xmlns:a="http://schemas.openxmlformats.org/drawingml/2006/main" xmlns:r="http://schemas.openxmlformats.org/officeDocument/2006/relationships" xmlns:p="http://schemas.openxmlformats.org/presentationml/2006/main" showMasterSp="0">
   <p:cSld>
     <p:spTree>
       <p:nvGrpSpPr>
@@ -30032,7 +30032,7 @@
 </file>
 
 <file path=ppt/slides/slide13.xml><?xml version="1.0" encoding="utf-8"?>
-<p:sld xmlns:a="http://schemas.openxmlformats.org/drawingml/2006/main" xmlns:r="http://schemas.openxmlformats.org/officeDocument/2006/relationships" xmlns:p="http://schemas.openxmlformats.org/presentationml/2006/main">
+<p:sld xmlns:a="http://schemas.openxmlformats.org/drawingml/2006/main" xmlns:r="http://schemas.openxmlformats.org/officeDocument/2006/relationships" xmlns:p="http://schemas.openxmlformats.org/presentationml/2006/main" showMasterSp="0">
   <p:cSld>
     <p:spTree>
       <p:nvGrpSpPr>
@@ -30394,7 +30394,7 @@
 </file>
 
 <file path=ppt/slides/slide14.xml><?xml version="1.0" encoding="utf-8"?>
-<p:sld xmlns:a="http://schemas.openxmlformats.org/drawingml/2006/main" xmlns:r="http://schemas.openxmlformats.org/officeDocument/2006/relationships" xmlns:p="http://schemas.openxmlformats.org/presentationml/2006/main">
+<p:sld xmlns:a="http://schemas.openxmlformats.org/drawingml/2006/main" xmlns:r="http://schemas.openxmlformats.org/officeDocument/2006/relationships" xmlns:p="http://schemas.openxmlformats.org/presentationml/2006/main" showMasterSp="0">
   <p:cSld>
     <p:spTree>
       <p:nvGrpSpPr>
@@ -30541,7 +30541,7 @@
 </file>
 
 <file path=ppt/slides/slide15.xml><?xml version="1.0" encoding="utf-8"?>
-<p:sld xmlns:a="http://schemas.openxmlformats.org/drawingml/2006/main" xmlns:r="http://schemas.openxmlformats.org/officeDocument/2006/relationships" xmlns:p="http://schemas.openxmlformats.org/presentationml/2006/main">
+<p:sld xmlns:a="http://schemas.openxmlformats.org/drawingml/2006/main" xmlns:r="http://schemas.openxmlformats.org/officeDocument/2006/relationships" xmlns:p="http://schemas.openxmlformats.org/presentationml/2006/main" showMasterSp="0">
   <p:cSld>
     <p:spTree>
       <p:nvGrpSpPr>
@@ -31833,7 +31833,7 @@
 </file>
 
 <file path=ppt/slides/slide4.xml><?xml version="1.0" encoding="utf-8"?>
-<p:sld xmlns:a="http://schemas.openxmlformats.org/drawingml/2006/main" xmlns:r="http://schemas.openxmlformats.org/officeDocument/2006/relationships" xmlns:p="http://schemas.openxmlformats.org/presentationml/2006/main">
+<p:sld xmlns:a="http://schemas.openxmlformats.org/drawingml/2006/main" xmlns:r="http://schemas.openxmlformats.org/officeDocument/2006/relationships" xmlns:p="http://schemas.openxmlformats.org/presentationml/2006/main" showMasterSp="0">
   <p:cSld>
     <p:spTree>
       <p:nvGrpSpPr>
@@ -32253,7 +32253,7 @@
 </file>
 
 <file path=ppt/slides/slide5.xml><?xml version="1.0" encoding="utf-8"?>
-<p:sld xmlns:a="http://schemas.openxmlformats.org/drawingml/2006/main" xmlns:r="http://schemas.openxmlformats.org/officeDocument/2006/relationships" xmlns:p="http://schemas.openxmlformats.org/presentationml/2006/main">
+<p:sld xmlns:a="http://schemas.openxmlformats.org/drawingml/2006/main" xmlns:r="http://schemas.openxmlformats.org/officeDocument/2006/relationships" xmlns:p="http://schemas.openxmlformats.org/presentationml/2006/main" showMasterSp="0">
   <p:cSld>
     <p:spTree>
       <p:nvGrpSpPr>
@@ -32603,7 +32603,7 @@
 </file>
 
 <file path=ppt/slides/slide6.xml><?xml version="1.0" encoding="utf-8"?>
-<p:sld xmlns:a="http://schemas.openxmlformats.org/drawingml/2006/main" xmlns:r="http://schemas.openxmlformats.org/officeDocument/2006/relationships" xmlns:p="http://schemas.openxmlformats.org/presentationml/2006/main">
+<p:sld xmlns:a="http://schemas.openxmlformats.org/drawingml/2006/main" xmlns:r="http://schemas.openxmlformats.org/officeDocument/2006/relationships" xmlns:p="http://schemas.openxmlformats.org/presentationml/2006/main" showMasterSp="0">
   <p:cSld>
     <p:spTree>
       <p:nvGrpSpPr>
@@ -33185,7 +33185,7 @@
 </file>
 
 <file path=ppt/slides/slide7.xml><?xml version="1.0" encoding="utf-8"?>
-<p:sld xmlns:a="http://schemas.openxmlformats.org/drawingml/2006/main" xmlns:r="http://schemas.openxmlformats.org/officeDocument/2006/relationships" xmlns:p="http://schemas.openxmlformats.org/presentationml/2006/main">
+<p:sld xmlns:a="http://schemas.openxmlformats.org/drawingml/2006/main" xmlns:r="http://schemas.openxmlformats.org/officeDocument/2006/relationships" xmlns:p="http://schemas.openxmlformats.org/presentationml/2006/main" showMasterSp="0">
   <p:cSld>
     <p:spTree>
       <p:nvGrpSpPr>
@@ -33654,7 +33654,7 @@
 </file>
 
 <file path=ppt/slides/slide8.xml><?xml version="1.0" encoding="utf-8"?>
-<p:sld xmlns:a="http://schemas.openxmlformats.org/drawingml/2006/main" xmlns:r="http://schemas.openxmlformats.org/officeDocument/2006/relationships" xmlns:p="http://schemas.openxmlformats.org/presentationml/2006/main">
+<p:sld xmlns:a="http://schemas.openxmlformats.org/drawingml/2006/main" xmlns:r="http://schemas.openxmlformats.org/officeDocument/2006/relationships" xmlns:p="http://schemas.openxmlformats.org/presentationml/2006/main" showMasterSp="0">
   <p:cSld>
     <p:spTree>
       <p:nvGrpSpPr>
@@ -34064,7 +34064,7 @@
 </file>
 
 <file path=ppt/slides/slide9.xml><?xml version="1.0" encoding="utf-8"?>
-<p:sld xmlns:a="http://schemas.openxmlformats.org/drawingml/2006/main" xmlns:r="http://schemas.openxmlformats.org/officeDocument/2006/relationships" xmlns:p="http://schemas.openxmlformats.org/presentationml/2006/main">
+<p:sld xmlns:a="http://schemas.openxmlformats.org/drawingml/2006/main" xmlns:r="http://schemas.openxmlformats.org/officeDocument/2006/relationships" xmlns:p="http://schemas.openxmlformats.org/presentationml/2006/main" showMasterSp="0">
   <p:cSld>
     <p:spTree>
       <p:nvGrpSpPr>

--- a/session_seven/session_seven_presentation.pptx
+++ b/session_seven/session_seven_presentation.pptx
@@ -846,9 +846,6 @@
     </pc:docChg>
   </pc:docChgLst>
   <pc:docChgLst>
-    <pc:chgData name="Bradley, Sam" userId="f75c196c-0419-4ed7-9101-2e14ae32ff77" providerId="ADAL" clId="{3FF446AA-2460-4900-8B64-80B2BFB30CB0}"/>
-  </pc:docChgLst>
-  <pc:docChgLst>
     <pc:chgData name="McKinney, David" userId="S::kqkh779@astrazeneca.net::8b945cb3-78ce-42d7-adc5-b07bab32cd5b" providerId="AD" clId="Web-{2BB45DB9-A5C7-42D9-8D86-58E9C0F106AD}"/>
     <pc:docChg chg="modSld">
       <pc:chgData name="McKinney, David" userId="S::kqkh779@astrazeneca.net::8b945cb3-78ce-42d7-adc5-b07bab32cd5b" providerId="AD" clId="Web-{2BB45DB9-A5C7-42D9-8D86-58E9C0F106AD}" dt="2020-03-26T12:03:13.542" v="3" actId="20577"/>
@@ -958,7 +955,7 @@
             <a:fld id="{3BBED7E8-0829-F34C-B479-A757805E6C1B}" type="datetimeFigureOut">
               <a:rPr lang="en-US" smtClean="0"/>
               <a:pPr/>
-              <a:t>7/1/2020</a:t>
+              <a:t>7/13/2020</a:t>
             </a:fld>
             <a:endParaRPr lang="en-US"/>
           </a:p>
@@ -1126,7 +1123,7 @@
             <a:fld id="{6C7E4F11-7667-5045-A00B-01970EA44BB5}" type="datetimeFigureOut">
               <a:rPr lang="en-US" smtClean="0"/>
               <a:pPr/>
-              <a:t>7/1/2020</a:t>
+              <a:t>7/13/2020</a:t>
             </a:fld>
             <a:endParaRPr lang="en-US"/>
           </a:p>
@@ -7081,7 +7078,7 @@
 </file>
 
 <file path=ppt/slideLayouts/slideLayout23.xml><?xml version="1.0" encoding="utf-8"?>
-<p:sldLayout xmlns:a="http://schemas.openxmlformats.org/drawingml/2006/main" xmlns:r="http://schemas.openxmlformats.org/officeDocument/2006/relationships" xmlns:p="http://schemas.openxmlformats.org/presentationml/2006/main" userDrawn="1">
+<p:sldLayout xmlns:a="http://schemas.openxmlformats.org/drawingml/2006/main" xmlns:r="http://schemas.openxmlformats.org/officeDocument/2006/relationships" xmlns:p="http://schemas.openxmlformats.org/presentationml/2006/main" showMasterSp="0" userDrawn="1">
   <p:cSld name="Introduction">
     <p:spTree>
       <p:nvGrpSpPr>
@@ -7257,7 +7254,7 @@
 </file>
 
 <file path=ppt/slideLayouts/slideLayout24.xml><?xml version="1.0" encoding="utf-8"?>
-<p:sldLayout xmlns:a="http://schemas.openxmlformats.org/drawingml/2006/main" xmlns:r="http://schemas.openxmlformats.org/officeDocument/2006/relationships" xmlns:p="http://schemas.openxmlformats.org/presentationml/2006/main" userDrawn="1">
+<p:sldLayout xmlns:a="http://schemas.openxmlformats.org/drawingml/2006/main" xmlns:r="http://schemas.openxmlformats.org/officeDocument/2006/relationships" xmlns:p="http://schemas.openxmlformats.org/presentationml/2006/main" showMasterSp="0" userDrawn="1">
   <p:cSld name="Bullet Content 1">
     <p:spTree>
       <p:nvGrpSpPr>
@@ -11910,7 +11907,7 @@
 </file>
 
 <file path=ppt/slideLayouts/slideLayout59.xml><?xml version="1.0" encoding="utf-8"?>
-<p:sldLayout xmlns:a="http://schemas.openxmlformats.org/drawingml/2006/main" xmlns:r="http://schemas.openxmlformats.org/officeDocument/2006/relationships" xmlns:p="http://schemas.openxmlformats.org/presentationml/2006/main" preserve="1" userDrawn="1">
+<p:sldLayout xmlns:a="http://schemas.openxmlformats.org/drawingml/2006/main" xmlns:r="http://schemas.openxmlformats.org/officeDocument/2006/relationships" xmlns:p="http://schemas.openxmlformats.org/presentationml/2006/main" showMasterSp="0" preserve="1" userDrawn="1">
   <p:cSld name="Introduction">
     <p:spTree>
       <p:nvGrpSpPr>
@@ -12410,7 +12407,7 @@
 </file>
 
 <file path=ppt/slideLayouts/slideLayout60.xml><?xml version="1.0" encoding="utf-8"?>
-<p:sldLayout xmlns:a="http://schemas.openxmlformats.org/drawingml/2006/main" xmlns:r="http://schemas.openxmlformats.org/officeDocument/2006/relationships" xmlns:p="http://schemas.openxmlformats.org/presentationml/2006/main" preserve="1" userDrawn="1">
+<p:sldLayout xmlns:a="http://schemas.openxmlformats.org/drawingml/2006/main" xmlns:r="http://schemas.openxmlformats.org/officeDocument/2006/relationships" xmlns:p="http://schemas.openxmlformats.org/presentationml/2006/main" showMasterSp="0" preserve="1" userDrawn="1">
   <p:cSld name="Nav Contents 1">
     <p:spTree>
       <p:nvGrpSpPr>
@@ -13935,7 +13932,7 @@
 </file>
 
 <file path=ppt/slideLayouts/slideLayout61.xml><?xml version="1.0" encoding="utf-8"?>
-<p:sldLayout xmlns:a="http://schemas.openxmlformats.org/drawingml/2006/main" xmlns:r="http://schemas.openxmlformats.org/officeDocument/2006/relationships" xmlns:p="http://schemas.openxmlformats.org/presentationml/2006/main" preserve="1" userDrawn="1">
+<p:sldLayout xmlns:a="http://schemas.openxmlformats.org/drawingml/2006/main" xmlns:r="http://schemas.openxmlformats.org/officeDocument/2006/relationships" xmlns:p="http://schemas.openxmlformats.org/presentationml/2006/main" showMasterSp="0" preserve="1" userDrawn="1">
   <p:cSld name="Nav Contents 2">
     <p:spTree>
       <p:nvGrpSpPr>
@@ -14950,7 +14947,7 @@
 </file>
 
 <file path=ppt/slideLayouts/slideLayout62.xml><?xml version="1.0" encoding="utf-8"?>
-<p:sldLayout xmlns:a="http://schemas.openxmlformats.org/drawingml/2006/main" xmlns:r="http://schemas.openxmlformats.org/officeDocument/2006/relationships" xmlns:p="http://schemas.openxmlformats.org/presentationml/2006/main" preserve="1" userDrawn="1">
+<p:sldLayout xmlns:a="http://schemas.openxmlformats.org/drawingml/2006/main" xmlns:r="http://schemas.openxmlformats.org/officeDocument/2006/relationships" xmlns:p="http://schemas.openxmlformats.org/presentationml/2006/main" showMasterSp="0" preserve="1" userDrawn="1">
   <p:cSld name="Nav Contents 3">
     <p:spTree>
       <p:nvGrpSpPr>
@@ -15965,7 +15962,7 @@
 </file>
 
 <file path=ppt/slideLayouts/slideLayout63.xml><?xml version="1.0" encoding="utf-8"?>
-<p:sldLayout xmlns:a="http://schemas.openxmlformats.org/drawingml/2006/main" xmlns:r="http://schemas.openxmlformats.org/officeDocument/2006/relationships" xmlns:p="http://schemas.openxmlformats.org/presentationml/2006/main" preserve="1" userDrawn="1">
+<p:sldLayout xmlns:a="http://schemas.openxmlformats.org/drawingml/2006/main" xmlns:r="http://schemas.openxmlformats.org/officeDocument/2006/relationships" xmlns:p="http://schemas.openxmlformats.org/presentationml/2006/main" showMasterSp="0" preserve="1" userDrawn="1">
   <p:cSld name="Nav Contents 4">
     <p:spTree>
       <p:nvGrpSpPr>
@@ -16980,7 +16977,7 @@
 </file>
 
 <file path=ppt/slideLayouts/slideLayout64.xml><?xml version="1.0" encoding="utf-8"?>
-<p:sldLayout xmlns:a="http://schemas.openxmlformats.org/drawingml/2006/main" xmlns:r="http://schemas.openxmlformats.org/officeDocument/2006/relationships" xmlns:p="http://schemas.openxmlformats.org/presentationml/2006/main" preserve="1" userDrawn="1">
+<p:sldLayout xmlns:a="http://schemas.openxmlformats.org/drawingml/2006/main" xmlns:r="http://schemas.openxmlformats.org/officeDocument/2006/relationships" xmlns:p="http://schemas.openxmlformats.org/presentationml/2006/main" showMasterSp="0" preserve="1" userDrawn="1">
   <p:cSld name="Nav Contents 5">
     <p:spTree>
       <p:nvGrpSpPr>
@@ -17995,7 +17992,7 @@
 </file>
 
 <file path=ppt/slideLayouts/slideLayout65.xml><?xml version="1.0" encoding="utf-8"?>
-<p:sldLayout xmlns:a="http://schemas.openxmlformats.org/drawingml/2006/main" xmlns:r="http://schemas.openxmlformats.org/officeDocument/2006/relationships" xmlns:p="http://schemas.openxmlformats.org/presentationml/2006/main" preserve="1" userDrawn="1">
+<p:sldLayout xmlns:a="http://schemas.openxmlformats.org/drawingml/2006/main" xmlns:r="http://schemas.openxmlformats.org/officeDocument/2006/relationships" xmlns:p="http://schemas.openxmlformats.org/presentationml/2006/main" showMasterSp="0" preserve="1" userDrawn="1">
   <p:cSld name="Nav Contents 6">
     <p:spTree>
       <p:nvGrpSpPr>
@@ -19010,7 +19007,7 @@
 </file>
 
 <file path=ppt/slideLayouts/slideLayout66.xml><?xml version="1.0" encoding="utf-8"?>
-<p:sldLayout xmlns:a="http://schemas.openxmlformats.org/drawingml/2006/main" xmlns:r="http://schemas.openxmlformats.org/officeDocument/2006/relationships" xmlns:p="http://schemas.openxmlformats.org/presentationml/2006/main" preserve="1" userDrawn="1">
+<p:sldLayout xmlns:a="http://schemas.openxmlformats.org/drawingml/2006/main" xmlns:r="http://schemas.openxmlformats.org/officeDocument/2006/relationships" xmlns:p="http://schemas.openxmlformats.org/presentationml/2006/main" showMasterSp="0" preserve="1" userDrawn="1">
   <p:cSld name="End Slide">
     <p:spTree>
       <p:nvGrpSpPr>
@@ -19235,7 +19232,7 @@
 </file>
 
 <file path=ppt/slideLayouts/slideLayout67.xml><?xml version="1.0" encoding="utf-8"?>
-<p:sldLayout xmlns:a="http://schemas.openxmlformats.org/drawingml/2006/main" xmlns:r="http://schemas.openxmlformats.org/officeDocument/2006/relationships" xmlns:p="http://schemas.openxmlformats.org/presentationml/2006/main" preserve="1" userDrawn="1">
+<p:sldLayout xmlns:a="http://schemas.openxmlformats.org/drawingml/2006/main" xmlns:r="http://schemas.openxmlformats.org/officeDocument/2006/relationships" xmlns:p="http://schemas.openxmlformats.org/presentationml/2006/main" showMasterSp="0" preserve="1" userDrawn="1">
   <p:cSld name="Bullet Content 1">
     <p:spTree>
       <p:nvGrpSpPr>
@@ -19461,7 +19458,7 @@
 </file>
 
 <file path=ppt/slideLayouts/slideLayout68.xml><?xml version="1.0" encoding="utf-8"?>
-<p:sldLayout xmlns:a="http://schemas.openxmlformats.org/drawingml/2006/main" xmlns:r="http://schemas.openxmlformats.org/officeDocument/2006/relationships" xmlns:p="http://schemas.openxmlformats.org/presentationml/2006/main" preserve="1" userDrawn="1">
+<p:sldLayout xmlns:a="http://schemas.openxmlformats.org/drawingml/2006/main" xmlns:r="http://schemas.openxmlformats.org/officeDocument/2006/relationships" xmlns:p="http://schemas.openxmlformats.org/presentationml/2006/main" showMasterSp="0" preserve="1" userDrawn="1">
   <p:cSld name="Bullet Content 1 with Subtitle">
     <p:spTree>
       <p:nvGrpSpPr>
@@ -19819,7 +19816,7 @@
 </file>
 
 <file path=ppt/slideLayouts/slideLayout69.xml><?xml version="1.0" encoding="utf-8"?>
-<p:sldLayout xmlns:a="http://schemas.openxmlformats.org/drawingml/2006/main" xmlns:r="http://schemas.openxmlformats.org/officeDocument/2006/relationships" xmlns:p="http://schemas.openxmlformats.org/presentationml/2006/main" preserve="1" userDrawn="1">
+<p:sldLayout xmlns:a="http://schemas.openxmlformats.org/drawingml/2006/main" xmlns:r="http://schemas.openxmlformats.org/officeDocument/2006/relationships" xmlns:p="http://schemas.openxmlformats.org/presentationml/2006/main" showMasterSp="0" preserve="1" userDrawn="1">
   <p:cSld name="Body Only 1">
     <p:spTree>
       <p:nvGrpSpPr>
@@ -20324,7 +20321,7 @@
 </file>
 
 <file path=ppt/slideLayouts/slideLayout70.xml><?xml version="1.0" encoding="utf-8"?>
-<p:sldLayout xmlns:a="http://schemas.openxmlformats.org/drawingml/2006/main" xmlns:r="http://schemas.openxmlformats.org/officeDocument/2006/relationships" xmlns:p="http://schemas.openxmlformats.org/presentationml/2006/main" preserve="1" userDrawn="1">
+<p:sldLayout xmlns:a="http://schemas.openxmlformats.org/drawingml/2006/main" xmlns:r="http://schemas.openxmlformats.org/officeDocument/2006/relationships" xmlns:p="http://schemas.openxmlformats.org/presentationml/2006/main" showMasterSp="0" preserve="1" userDrawn="1">
   <p:cSld name="Body and Content 1">
     <p:spTree>
       <p:nvGrpSpPr>
@@ -20654,7 +20651,7 @@
 </file>
 
 <file path=ppt/slideLayouts/slideLayout71.xml><?xml version="1.0" encoding="utf-8"?>
-<p:sldLayout xmlns:a="http://schemas.openxmlformats.org/drawingml/2006/main" xmlns:r="http://schemas.openxmlformats.org/officeDocument/2006/relationships" xmlns:p="http://schemas.openxmlformats.org/presentationml/2006/main" preserve="1" userDrawn="1">
+<p:sldLayout xmlns:a="http://schemas.openxmlformats.org/drawingml/2006/main" xmlns:r="http://schemas.openxmlformats.org/officeDocument/2006/relationships" xmlns:p="http://schemas.openxmlformats.org/presentationml/2006/main" showMasterSp="0" preserve="1" userDrawn="1">
   <p:cSld name="Body 1 with Content 2">
     <p:spTree>
       <p:nvGrpSpPr>
@@ -21087,7 +21084,7 @@
 </file>
 
 <file path=ppt/slideLayouts/slideLayout72.xml><?xml version="1.0" encoding="utf-8"?>
-<p:sldLayout xmlns:a="http://schemas.openxmlformats.org/drawingml/2006/main" xmlns:r="http://schemas.openxmlformats.org/officeDocument/2006/relationships" xmlns:p="http://schemas.openxmlformats.org/presentationml/2006/main" preserve="1" userDrawn="1">
+<p:sldLayout xmlns:a="http://schemas.openxmlformats.org/drawingml/2006/main" xmlns:r="http://schemas.openxmlformats.org/officeDocument/2006/relationships" xmlns:p="http://schemas.openxmlformats.org/presentationml/2006/main" showMasterSp="0" preserve="1" userDrawn="1">
   <p:cSld name="Body 1 with Content 3">
     <p:spTree>
       <p:nvGrpSpPr>
@@ -21617,7 +21614,7 @@
 </file>
 
 <file path=ppt/slideLayouts/slideLayout73.xml><?xml version="1.0" encoding="utf-8"?>
-<p:sldLayout xmlns:a="http://schemas.openxmlformats.org/drawingml/2006/main" xmlns:r="http://schemas.openxmlformats.org/officeDocument/2006/relationships" xmlns:p="http://schemas.openxmlformats.org/presentationml/2006/main" preserve="1" userDrawn="1">
+<p:sldLayout xmlns:a="http://schemas.openxmlformats.org/drawingml/2006/main" xmlns:r="http://schemas.openxmlformats.org/officeDocument/2006/relationships" xmlns:p="http://schemas.openxmlformats.org/presentationml/2006/main" showMasterSp="0" preserve="1" userDrawn="1">
   <p:cSld name="Body Only 2">
     <p:spTree>
       <p:nvGrpSpPr>
@@ -21859,7 +21856,7 @@
 </file>
 
 <file path=ppt/slideLayouts/slideLayout74.xml><?xml version="1.0" encoding="utf-8"?>
-<p:sldLayout xmlns:a="http://schemas.openxmlformats.org/drawingml/2006/main" xmlns:r="http://schemas.openxmlformats.org/officeDocument/2006/relationships" xmlns:p="http://schemas.openxmlformats.org/presentationml/2006/main" preserve="1" userDrawn="1">
+<p:sldLayout xmlns:a="http://schemas.openxmlformats.org/drawingml/2006/main" xmlns:r="http://schemas.openxmlformats.org/officeDocument/2006/relationships" xmlns:p="http://schemas.openxmlformats.org/presentationml/2006/main" showMasterSp="0" preserve="1" userDrawn="1">
   <p:cSld name="Body and Content Right 1">
     <p:spTree>
       <p:nvGrpSpPr>
@@ -22151,7 +22148,7 @@
 </file>
 
 <file path=ppt/slideLayouts/slideLayout75.xml><?xml version="1.0" encoding="utf-8"?>
-<p:sldLayout xmlns:a="http://schemas.openxmlformats.org/drawingml/2006/main" xmlns:r="http://schemas.openxmlformats.org/officeDocument/2006/relationships" xmlns:p="http://schemas.openxmlformats.org/presentationml/2006/main" preserve="1" userDrawn="1">
+<p:sldLayout xmlns:a="http://schemas.openxmlformats.org/drawingml/2006/main" xmlns:r="http://schemas.openxmlformats.org/officeDocument/2006/relationships" xmlns:p="http://schemas.openxmlformats.org/presentationml/2006/main" showMasterSp="0" preserve="1" userDrawn="1">
   <p:cSld name="Body and Content Right 2">
     <p:spTree>
       <p:nvGrpSpPr>
@@ -22554,7 +22551,7 @@
 </file>
 
 <file path=ppt/slideLayouts/slideLayout76.xml><?xml version="1.0" encoding="utf-8"?>
-<p:sldLayout xmlns:a="http://schemas.openxmlformats.org/drawingml/2006/main" xmlns:r="http://schemas.openxmlformats.org/officeDocument/2006/relationships" xmlns:p="http://schemas.openxmlformats.org/presentationml/2006/main" preserve="1" userDrawn="1">
+<p:sldLayout xmlns:a="http://schemas.openxmlformats.org/drawingml/2006/main" xmlns:r="http://schemas.openxmlformats.org/officeDocument/2006/relationships" xmlns:p="http://schemas.openxmlformats.org/presentationml/2006/main" showMasterSp="0" preserve="1" userDrawn="1">
   <p:cSld name="Double Content">
     <p:spTree>
       <p:nvGrpSpPr>
@@ -22896,7 +22893,7 @@
 </file>
 
 <file path=ppt/slideLayouts/slideLayout77.xml><?xml version="1.0" encoding="utf-8"?>
-<p:sldLayout xmlns:a="http://schemas.openxmlformats.org/drawingml/2006/main" xmlns:r="http://schemas.openxmlformats.org/officeDocument/2006/relationships" xmlns:p="http://schemas.openxmlformats.org/presentationml/2006/main" preserve="1" userDrawn="1">
+<p:sldLayout xmlns:a="http://schemas.openxmlformats.org/drawingml/2006/main" xmlns:r="http://schemas.openxmlformats.org/officeDocument/2006/relationships" xmlns:p="http://schemas.openxmlformats.org/presentationml/2006/main" showMasterSp="0" preserve="1" userDrawn="1">
   <p:cSld name="Triple Headings with Triple Content">
     <p:spTree>
       <p:nvGrpSpPr>
@@ -23532,7 +23529,7 @@
 </file>
 
 <file path=ppt/slideLayouts/slideLayout78.xml><?xml version="1.0" encoding="utf-8"?>
-<p:sldLayout xmlns:a="http://schemas.openxmlformats.org/drawingml/2006/main" xmlns:r="http://schemas.openxmlformats.org/officeDocument/2006/relationships" xmlns:p="http://schemas.openxmlformats.org/presentationml/2006/main" preserve="1" userDrawn="1">
+<p:sldLayout xmlns:a="http://schemas.openxmlformats.org/drawingml/2006/main" xmlns:r="http://schemas.openxmlformats.org/officeDocument/2006/relationships" xmlns:p="http://schemas.openxmlformats.org/presentationml/2006/main" showMasterSp="0" preserve="1" userDrawn="1">
   <p:cSld name="Body and Picture Right 1">
     <p:spTree>
       <p:nvGrpSpPr>
@@ -23757,7 +23754,7 @@
 </file>
 
 <file path=ppt/slideLayouts/slideLayout79.xml><?xml version="1.0" encoding="utf-8"?>
-<p:sldLayout xmlns:a="http://schemas.openxmlformats.org/drawingml/2006/main" xmlns:r="http://schemas.openxmlformats.org/officeDocument/2006/relationships" xmlns:p="http://schemas.openxmlformats.org/presentationml/2006/main" preserve="1" userDrawn="1">
+<p:sldLayout xmlns:a="http://schemas.openxmlformats.org/drawingml/2006/main" xmlns:r="http://schemas.openxmlformats.org/officeDocument/2006/relationships" xmlns:p="http://schemas.openxmlformats.org/presentationml/2006/main" showMasterSp="0" preserve="1" userDrawn="1">
   <p:cSld name="Body and Picture Right 2">
     <p:spTree>
       <p:nvGrpSpPr>
@@ -24356,7 +24353,7 @@
 </file>
 
 <file path=ppt/slideLayouts/slideLayout80.xml><?xml version="1.0" encoding="utf-8"?>
-<p:sldLayout xmlns:a="http://schemas.openxmlformats.org/drawingml/2006/main" xmlns:r="http://schemas.openxmlformats.org/officeDocument/2006/relationships" xmlns:p="http://schemas.openxmlformats.org/presentationml/2006/main" preserve="1" userDrawn="1">
+<p:sldLayout xmlns:a="http://schemas.openxmlformats.org/drawingml/2006/main" xmlns:r="http://schemas.openxmlformats.org/officeDocument/2006/relationships" xmlns:p="http://schemas.openxmlformats.org/presentationml/2006/main" showMasterSp="0" preserve="1" userDrawn="1">
   <p:cSld name="Body and Picture Lower 1">
     <p:spTree>
       <p:nvGrpSpPr>
@@ -24625,7 +24622,7 @@
 </file>
 
 <file path=ppt/slideLayouts/slideLayout81.xml><?xml version="1.0" encoding="utf-8"?>
-<p:sldLayout xmlns:a="http://schemas.openxmlformats.org/drawingml/2006/main" xmlns:r="http://schemas.openxmlformats.org/officeDocument/2006/relationships" xmlns:p="http://schemas.openxmlformats.org/presentationml/2006/main" preserve="1" userDrawn="1">
+<p:sldLayout xmlns:a="http://schemas.openxmlformats.org/drawingml/2006/main" xmlns:r="http://schemas.openxmlformats.org/officeDocument/2006/relationships" xmlns:p="http://schemas.openxmlformats.org/presentationml/2006/main" showMasterSp="0" preserve="1" userDrawn="1">
   <p:cSld name="Body and Picture Lower 2">
     <p:spTree>
       <p:nvGrpSpPr>
@@ -24944,7 +24941,7 @@
 </file>
 
 <file path=ppt/slideLayouts/slideLayout82.xml><?xml version="1.0" encoding="utf-8"?>
-<p:sldLayout xmlns:a="http://schemas.openxmlformats.org/drawingml/2006/main" xmlns:r="http://schemas.openxmlformats.org/officeDocument/2006/relationships" xmlns:p="http://schemas.openxmlformats.org/presentationml/2006/main" preserve="1" userDrawn="1">
+<p:sldLayout xmlns:a="http://schemas.openxmlformats.org/drawingml/2006/main" xmlns:r="http://schemas.openxmlformats.org/officeDocument/2006/relationships" xmlns:p="http://schemas.openxmlformats.org/presentationml/2006/main" showMasterSp="0" preserve="1" userDrawn="1">
   <p:cSld name="Body and Picture Lower 3">
     <p:spTree>
       <p:nvGrpSpPr>
@@ -25313,7 +25310,7 @@
 </file>
 
 <file path=ppt/slideLayouts/slideLayout83.xml><?xml version="1.0" encoding="utf-8"?>
-<p:sldLayout xmlns:a="http://schemas.openxmlformats.org/drawingml/2006/main" xmlns:r="http://schemas.openxmlformats.org/officeDocument/2006/relationships" xmlns:p="http://schemas.openxmlformats.org/presentationml/2006/main" preserve="1" userDrawn="1">
+<p:sldLayout xmlns:a="http://schemas.openxmlformats.org/drawingml/2006/main" xmlns:r="http://schemas.openxmlformats.org/officeDocument/2006/relationships" xmlns:p="http://schemas.openxmlformats.org/presentationml/2006/main" showMasterSp="0" preserve="1" userDrawn="1">
   <p:cSld name="Contents List">
     <p:spTree>
       <p:nvGrpSpPr>
@@ -25545,7 +25542,7 @@
 </file>
 
 <file path=ppt/slideLayouts/slideLayout84.xml><?xml version="1.0" encoding="utf-8"?>
-<p:sldLayout xmlns:a="http://schemas.openxmlformats.org/drawingml/2006/main" xmlns:r="http://schemas.openxmlformats.org/officeDocument/2006/relationships" xmlns:p="http://schemas.openxmlformats.org/presentationml/2006/main" preserve="1" userDrawn="1">
+<p:sldLayout xmlns:a="http://schemas.openxmlformats.org/drawingml/2006/main" xmlns:r="http://schemas.openxmlformats.org/officeDocument/2006/relationships" xmlns:p="http://schemas.openxmlformats.org/presentationml/2006/main" showMasterSp="0" preserve="1" userDrawn="1">
   <p:cSld name="Title Only">
     <p:spTree>
       <p:nvGrpSpPr>
@@ -27541,7 +27538,7 @@
 </file>
 
 <file path=ppt/slides/slide1.xml><?xml version="1.0" encoding="utf-8"?>
-<p:sld xmlns:a="http://schemas.openxmlformats.org/drawingml/2006/main" xmlns:r="http://schemas.openxmlformats.org/officeDocument/2006/relationships" xmlns:p="http://schemas.openxmlformats.org/presentationml/2006/main">
+<p:sld xmlns:a="http://schemas.openxmlformats.org/drawingml/2006/main" xmlns:r="http://schemas.openxmlformats.org/officeDocument/2006/relationships" xmlns:p="http://schemas.openxmlformats.org/presentationml/2006/main" showMasterSp="0">
   <p:cSld>
     <p:spTree>
       <p:nvGrpSpPr>
@@ -27752,10 +27749,9 @@
           </a:lstStyle>
           <a:p>
             <a:r>
-              <a:rPr lang="en-GB"/>
-              <a:t>The AZ Code Club Team</a:t>
-            </a:r>
-            <a:endParaRPr lang="en-GB" dirty="0"/>
+              <a:rPr lang="en-GB" dirty="0"/>
+              <a:t>Warwick Data Science Society</a:t>
+            </a:r>
           </a:p>
         </p:txBody>
       </p:sp>
@@ -28047,6 +28043,51 @@
           </a:p>
         </p:txBody>
       </p:sp>
+      <p:pic>
+        <p:nvPicPr>
+          <p:cNvPr id="10" name="Picture 2" descr="photo of outer space">
+            <a:extLst>
+              <a:ext uri="{FF2B5EF4-FFF2-40B4-BE49-F238E27FC236}">
+                <a16:creationId xmlns:a16="http://schemas.microsoft.com/office/drawing/2014/main" id="{2A820033-EF55-4814-974F-7B606D39A88C}"/>
+              </a:ext>
+            </a:extLst>
+          </p:cNvPr>
+          <p:cNvPicPr>
+            <a:picLocks noChangeAspect="1" noChangeArrowheads="1"/>
+          </p:cNvPicPr>
+          <p:nvPr/>
+        </p:nvPicPr>
+        <p:blipFill rotWithShape="1">
+          <a:blip r:embed="rId6">
+            <a:extLst>
+              <a:ext uri="{28A0092B-C50C-407E-A947-70E740481C1C}">
+                <a14:useLocalDpi xmlns:a14="http://schemas.microsoft.com/office/drawing/2010/main" val="0"/>
+              </a:ext>
+            </a:extLst>
+          </a:blip>
+          <a:srcRect t="23528" b="41523"/>
+          <a:stretch/>
+        </p:blipFill>
+        <p:spPr bwMode="auto">
+          <a:xfrm>
+            <a:off x="238757" y="2941219"/>
+            <a:ext cx="8689242" cy="2019600"/>
+          </a:xfrm>
+          <a:prstGeom prst="rect">
+            <a:avLst/>
+          </a:prstGeom>
+          <a:noFill/>
+          <a:extLst>
+            <a:ext uri="{909E8E84-426E-40DD-AFC4-6F175D3DCCD1}">
+              <a14:hiddenFill xmlns:a14="http://schemas.microsoft.com/office/drawing/2010/main">
+                <a:solidFill>
+                  <a:srgbClr val="FFFFFF"/>
+                </a:solidFill>
+              </a14:hiddenFill>
+            </a:ext>
+          </a:extLst>
+        </p:spPr>
+      </p:pic>
     </p:spTree>
     <p:extLst>
       <p:ext uri="{BB962C8B-B14F-4D97-AF65-F5344CB8AC3E}">
@@ -28099,7 +28140,11 @@
           <a:lstStyle/>
           <a:p>
             <a:r>
-              <a:rPr lang="en-GB" dirty="0"/>
+              <a:rPr lang="en-GB" dirty="0">
+                <a:solidFill>
+                  <a:schemeClr val="tx2"/>
+                </a:solidFill>
+              </a:rPr>
               <a:t>Manipulating Dictionaries Puzzles</a:t>
             </a:r>
           </a:p>
@@ -28135,35 +28180,6 @@
           </a:p>
         </p:txBody>
       </p:sp>
-      <p:pic>
-        <p:nvPicPr>
-          <p:cNvPr id="11" name="Picture 10">
-            <a:extLst>
-              <a:ext uri="{FF2B5EF4-FFF2-40B4-BE49-F238E27FC236}">
-                <a16:creationId xmlns:a16="http://schemas.microsoft.com/office/drawing/2014/main" id="{AE10D547-F5D1-43D9-93EA-E166E3C73F57}"/>
-              </a:ext>
-            </a:extLst>
-          </p:cNvPr>
-          <p:cNvPicPr>
-            <a:picLocks noChangeAspect="1"/>
-          </p:cNvPicPr>
-          <p:nvPr/>
-        </p:nvPicPr>
-        <p:blipFill rotWithShape="1">
-          <a:blip r:embed="rId3"/>
-          <a:srcRect l="2982" t="3174" r="2869" b="2900"/>
-          <a:stretch/>
-        </p:blipFill>
-        <p:spPr>
-          <a:xfrm>
-            <a:off x="8576572" y="4598283"/>
-            <a:ext cx="498106" cy="496941"/>
-          </a:xfrm>
-          <a:prstGeom prst="ellipse">
-            <a:avLst/>
-          </a:prstGeom>
-        </p:spPr>
-      </p:pic>
       <p:sp>
         <p:nvSpPr>
           <p:cNvPr id="6" name="Text Placeholder 2">
@@ -28491,6 +28507,43 @@
           </a:p>
         </p:txBody>
       </p:sp>
+      <p:pic>
+        <p:nvPicPr>
+          <p:cNvPr id="7" name="Picture 6" descr="A picture containing stool&#10;&#10;Description automatically generated">
+            <a:extLst>
+              <a:ext uri="{FF2B5EF4-FFF2-40B4-BE49-F238E27FC236}">
+                <a16:creationId xmlns:a16="http://schemas.microsoft.com/office/drawing/2014/main" id="{5AA9389E-2037-4935-938B-FA24A72C4E92}"/>
+              </a:ext>
+            </a:extLst>
+          </p:cNvPr>
+          <p:cNvPicPr>
+            <a:picLocks noChangeAspect="1"/>
+          </p:cNvPicPr>
+          <p:nvPr/>
+        </p:nvPicPr>
+        <p:blipFill>
+          <a:blip r:embed="rId3"/>
+          <a:stretch>
+            <a:fillRect/>
+          </a:stretch>
+        </p:blipFill>
+        <p:spPr>
+          <a:xfrm>
+            <a:off x="8515735" y="4536281"/>
+            <a:ext cx="558943" cy="558943"/>
+          </a:xfrm>
+          <a:prstGeom prst="ellipse">
+            <a:avLst/>
+          </a:prstGeom>
+          <a:effectLst>
+            <a:outerShdw blurRad="63500" sx="102000" sy="102000" algn="ctr" rotWithShape="0">
+              <a:prstClr val="black">
+                <a:alpha val="40000"/>
+              </a:prstClr>
+            </a:outerShdw>
+          </a:effectLst>
+        </p:spPr>
+      </p:pic>
     </p:spTree>
     <p:extLst>
       <p:ext uri="{BB962C8B-B14F-4D97-AF65-F5344CB8AC3E}">
@@ -28543,7 +28596,11 @@
           <a:lstStyle/>
           <a:p>
             <a:r>
-              <a:rPr lang="en-GB" dirty="0"/>
+              <a:rPr lang="en-GB" dirty="0">
+                <a:solidFill>
+                  <a:schemeClr val="tx2"/>
+                </a:solidFill>
+              </a:rPr>
               <a:t>Manipulating Dictionaries Puzzles Solutions</a:t>
             </a:r>
           </a:p>
@@ -28579,35 +28636,6 @@
           </a:p>
         </p:txBody>
       </p:sp>
-      <p:pic>
-        <p:nvPicPr>
-          <p:cNvPr id="11" name="Picture 10">
-            <a:extLst>
-              <a:ext uri="{FF2B5EF4-FFF2-40B4-BE49-F238E27FC236}">
-                <a16:creationId xmlns:a16="http://schemas.microsoft.com/office/drawing/2014/main" id="{AE10D547-F5D1-43D9-93EA-E166E3C73F57}"/>
-              </a:ext>
-            </a:extLst>
-          </p:cNvPr>
-          <p:cNvPicPr>
-            <a:picLocks noChangeAspect="1"/>
-          </p:cNvPicPr>
-          <p:nvPr/>
-        </p:nvPicPr>
-        <p:blipFill rotWithShape="1">
-          <a:blip r:embed="rId3"/>
-          <a:srcRect l="2982" t="3174" r="2869" b="2900"/>
-          <a:stretch/>
-        </p:blipFill>
-        <p:spPr>
-          <a:xfrm>
-            <a:off x="8576572" y="4598283"/>
-            <a:ext cx="498106" cy="496941"/>
-          </a:xfrm>
-          <a:prstGeom prst="ellipse">
-            <a:avLst/>
-          </a:prstGeom>
-        </p:spPr>
-      </p:pic>
       <p:pic>
         <p:nvPicPr>
           <p:cNvPr id="4" name="Picture 3">
@@ -28623,7 +28651,7 @@
           <p:nvPr/>
         </p:nvPicPr>
         <p:blipFill>
-          <a:blip r:embed="rId4"/>
+          <a:blip r:embed="rId3"/>
           <a:stretch>
             <a:fillRect/>
           </a:stretch>
@@ -28653,6 +28681,36 @@
           <p:nvPr/>
         </p:nvPicPr>
         <p:blipFill>
+          <a:blip r:embed="rId4"/>
+          <a:stretch>
+            <a:fillRect/>
+          </a:stretch>
+        </p:blipFill>
+        <p:spPr>
+          <a:xfrm>
+            <a:off x="2674715" y="2966917"/>
+            <a:ext cx="3794570" cy="1446206"/>
+          </a:xfrm>
+          <a:prstGeom prst="rect">
+            <a:avLst/>
+          </a:prstGeom>
+        </p:spPr>
+      </p:pic>
+      <p:pic>
+        <p:nvPicPr>
+          <p:cNvPr id="7" name="Picture 6" descr="A picture containing stool&#10;&#10;Description automatically generated">
+            <a:extLst>
+              <a:ext uri="{FF2B5EF4-FFF2-40B4-BE49-F238E27FC236}">
+                <a16:creationId xmlns:a16="http://schemas.microsoft.com/office/drawing/2014/main" id="{BBEB89B5-301D-4CB4-957E-8928EC23CE29}"/>
+              </a:ext>
+            </a:extLst>
+          </p:cNvPr>
+          <p:cNvPicPr>
+            <a:picLocks noChangeAspect="1"/>
+          </p:cNvPicPr>
+          <p:nvPr/>
+        </p:nvPicPr>
+        <p:blipFill>
           <a:blip r:embed="rId5"/>
           <a:stretch>
             <a:fillRect/>
@@ -28660,12 +28718,19 @@
         </p:blipFill>
         <p:spPr>
           <a:xfrm>
-            <a:off x="2674715" y="2966917"/>
-            <a:ext cx="3794570" cy="1446206"/>
-          </a:xfrm>
-          <a:prstGeom prst="rect">
-            <a:avLst/>
-          </a:prstGeom>
+            <a:off x="8515735" y="4536281"/>
+            <a:ext cx="558943" cy="558943"/>
+          </a:xfrm>
+          <a:prstGeom prst="ellipse">
+            <a:avLst/>
+          </a:prstGeom>
+          <a:effectLst>
+            <a:outerShdw blurRad="63500" sx="102000" sy="102000" algn="ctr" rotWithShape="0">
+              <a:prstClr val="black">
+                <a:alpha val="40000"/>
+              </a:prstClr>
+            </a:outerShdw>
+          </a:effectLst>
         </p:spPr>
       </p:pic>
     </p:spTree>
@@ -28720,7 +28785,11 @@
           <a:lstStyle/>
           <a:p>
             <a:r>
-              <a:rPr lang="en-GB" dirty="0"/>
+              <a:rPr lang="en-GB" dirty="0">
+                <a:solidFill>
+                  <a:schemeClr val="tx2"/>
+                </a:solidFill>
+              </a:rPr>
               <a:t>Looping Through Dictionaries</a:t>
             </a:r>
           </a:p>
@@ -28756,35 +28825,6 @@
           </a:p>
         </p:txBody>
       </p:sp>
-      <p:pic>
-        <p:nvPicPr>
-          <p:cNvPr id="11" name="Picture 10">
-            <a:extLst>
-              <a:ext uri="{FF2B5EF4-FFF2-40B4-BE49-F238E27FC236}">
-                <a16:creationId xmlns:a16="http://schemas.microsoft.com/office/drawing/2014/main" id="{AE10D547-F5D1-43D9-93EA-E166E3C73F57}"/>
-              </a:ext>
-            </a:extLst>
-          </p:cNvPr>
-          <p:cNvPicPr>
-            <a:picLocks noChangeAspect="1"/>
-          </p:cNvPicPr>
-          <p:nvPr/>
-        </p:nvPicPr>
-        <p:blipFill rotWithShape="1">
-          <a:blip r:embed="rId3"/>
-          <a:srcRect l="2982" t="3174" r="2869" b="2900"/>
-          <a:stretch/>
-        </p:blipFill>
-        <p:spPr>
-          <a:xfrm>
-            <a:off x="8576572" y="4598283"/>
-            <a:ext cx="498106" cy="496941"/>
-          </a:xfrm>
-          <a:prstGeom prst="ellipse">
-            <a:avLst/>
-          </a:prstGeom>
-        </p:spPr>
-      </p:pic>
       <p:sp>
         <p:nvSpPr>
           <p:cNvPr id="6" name="Text Placeholder 2">
@@ -29736,7 +29776,7 @@
           <p:nvPr/>
         </p:nvPicPr>
         <p:blipFill>
-          <a:blip r:embed="rId4"/>
+          <a:blip r:embed="rId3"/>
           <a:stretch>
             <a:fillRect/>
           </a:stretch>
@@ -29766,7 +29806,7 @@
           <p:nvPr/>
         </p:nvPicPr>
         <p:blipFill>
-          <a:blip r:embed="rId5"/>
+          <a:blip r:embed="rId4"/>
           <a:stretch>
             <a:fillRect/>
           </a:stretch>
@@ -29796,7 +29836,7 @@
           <p:nvPr/>
         </p:nvPicPr>
         <p:blipFill>
-          <a:blip r:embed="rId6"/>
+          <a:blip r:embed="rId5"/>
           <a:stretch>
             <a:fillRect/>
           </a:stretch>
@@ -29826,6 +29866,36 @@
           <p:nvPr/>
         </p:nvPicPr>
         <p:blipFill>
+          <a:blip r:embed="rId6"/>
+          <a:stretch>
+            <a:fillRect/>
+          </a:stretch>
+        </p:blipFill>
+        <p:spPr>
+          <a:xfrm>
+            <a:off x="5934839" y="2571750"/>
+            <a:ext cx="2832114" cy="1169871"/>
+          </a:xfrm>
+          <a:prstGeom prst="rect">
+            <a:avLst/>
+          </a:prstGeom>
+        </p:spPr>
+      </p:pic>
+      <p:pic>
+        <p:nvPicPr>
+          <p:cNvPr id="16" name="Picture 15" descr="A picture containing stool&#10;&#10;Description automatically generated">
+            <a:extLst>
+              <a:ext uri="{FF2B5EF4-FFF2-40B4-BE49-F238E27FC236}">
+                <a16:creationId xmlns:a16="http://schemas.microsoft.com/office/drawing/2014/main" id="{D7606FF0-064B-4EFE-86D7-9E138D2A0238}"/>
+              </a:ext>
+            </a:extLst>
+          </p:cNvPr>
+          <p:cNvPicPr>
+            <a:picLocks noChangeAspect="1"/>
+          </p:cNvPicPr>
+          <p:nvPr/>
+        </p:nvPicPr>
+        <p:blipFill>
           <a:blip r:embed="rId7"/>
           <a:stretch>
             <a:fillRect/>
@@ -29833,12 +29903,19 @@
         </p:blipFill>
         <p:spPr>
           <a:xfrm>
-            <a:off x="5934839" y="2571750"/>
-            <a:ext cx="2832114" cy="1169871"/>
-          </a:xfrm>
-          <a:prstGeom prst="rect">
-            <a:avLst/>
-          </a:prstGeom>
+            <a:off x="8515735" y="4536281"/>
+            <a:ext cx="558943" cy="558943"/>
+          </a:xfrm>
+          <a:prstGeom prst="ellipse">
+            <a:avLst/>
+          </a:prstGeom>
+          <a:effectLst>
+            <a:outerShdw blurRad="63500" sx="102000" sy="102000" algn="ctr" rotWithShape="0">
+              <a:prstClr val="black">
+                <a:alpha val="40000"/>
+              </a:prstClr>
+            </a:outerShdw>
+          </a:effectLst>
         </p:spPr>
       </p:pic>
     </p:spTree>
@@ -30070,7 +30147,11 @@
           <a:lstStyle/>
           <a:p>
             <a:r>
-              <a:rPr lang="en-GB" dirty="0"/>
+              <a:rPr lang="en-GB" dirty="0">
+                <a:solidFill>
+                  <a:schemeClr val="tx2"/>
+                </a:solidFill>
+              </a:rPr>
               <a:t>Looping Through Dictionaries Puzzles</a:t>
             </a:r>
           </a:p>
@@ -30106,35 +30187,6 @@
           </a:p>
         </p:txBody>
       </p:sp>
-      <p:pic>
-        <p:nvPicPr>
-          <p:cNvPr id="11" name="Picture 10">
-            <a:extLst>
-              <a:ext uri="{FF2B5EF4-FFF2-40B4-BE49-F238E27FC236}">
-                <a16:creationId xmlns:a16="http://schemas.microsoft.com/office/drawing/2014/main" id="{AE10D547-F5D1-43D9-93EA-E166E3C73F57}"/>
-              </a:ext>
-            </a:extLst>
-          </p:cNvPr>
-          <p:cNvPicPr>
-            <a:picLocks noChangeAspect="1"/>
-          </p:cNvPicPr>
-          <p:nvPr/>
-        </p:nvPicPr>
-        <p:blipFill rotWithShape="1">
-          <a:blip r:embed="rId3"/>
-          <a:srcRect l="2982" t="3174" r="2869" b="2900"/>
-          <a:stretch/>
-        </p:blipFill>
-        <p:spPr>
-          <a:xfrm>
-            <a:off x="8576572" y="4598283"/>
-            <a:ext cx="498106" cy="496941"/>
-          </a:xfrm>
-          <a:prstGeom prst="ellipse">
-            <a:avLst/>
-          </a:prstGeom>
-        </p:spPr>
-      </p:pic>
       <p:sp>
         <p:nvSpPr>
           <p:cNvPr id="6" name="Text Placeholder 2">
@@ -30380,6 +30432,43 @@
           </a:p>
         </p:txBody>
       </p:sp>
+      <p:pic>
+        <p:nvPicPr>
+          <p:cNvPr id="7" name="Picture 6" descr="A picture containing stool&#10;&#10;Description automatically generated">
+            <a:extLst>
+              <a:ext uri="{FF2B5EF4-FFF2-40B4-BE49-F238E27FC236}">
+                <a16:creationId xmlns:a16="http://schemas.microsoft.com/office/drawing/2014/main" id="{ACF6E77C-6A25-40A9-8433-B23D9A6DC209}"/>
+              </a:ext>
+            </a:extLst>
+          </p:cNvPr>
+          <p:cNvPicPr>
+            <a:picLocks noChangeAspect="1"/>
+          </p:cNvPicPr>
+          <p:nvPr/>
+        </p:nvPicPr>
+        <p:blipFill>
+          <a:blip r:embed="rId3"/>
+          <a:stretch>
+            <a:fillRect/>
+          </a:stretch>
+        </p:blipFill>
+        <p:spPr>
+          <a:xfrm>
+            <a:off x="8515735" y="4536281"/>
+            <a:ext cx="558943" cy="558943"/>
+          </a:xfrm>
+          <a:prstGeom prst="ellipse">
+            <a:avLst/>
+          </a:prstGeom>
+          <a:effectLst>
+            <a:outerShdw blurRad="63500" sx="102000" sy="102000" algn="ctr" rotWithShape="0">
+              <a:prstClr val="black">
+                <a:alpha val="40000"/>
+              </a:prstClr>
+            </a:outerShdw>
+          </a:effectLst>
+        </p:spPr>
+      </p:pic>
     </p:spTree>
     <p:extLst>
       <p:ext uri="{BB962C8B-B14F-4D97-AF65-F5344CB8AC3E}">
@@ -30432,7 +30521,11 @@
           <a:lstStyle/>
           <a:p>
             <a:r>
-              <a:rPr lang="en-GB" dirty="0"/>
+              <a:rPr lang="en-GB" dirty="0">
+                <a:solidFill>
+                  <a:schemeClr val="tx2"/>
+                </a:solidFill>
+              </a:rPr>
               <a:t>Looping Through Dictionaries Puzzles Solutions</a:t>
             </a:r>
           </a:p>
@@ -30468,35 +30561,6 @@
           </a:p>
         </p:txBody>
       </p:sp>
-      <p:pic>
-        <p:nvPicPr>
-          <p:cNvPr id="11" name="Picture 10">
-            <a:extLst>
-              <a:ext uri="{FF2B5EF4-FFF2-40B4-BE49-F238E27FC236}">
-                <a16:creationId xmlns:a16="http://schemas.microsoft.com/office/drawing/2014/main" id="{AE10D547-F5D1-43D9-93EA-E166E3C73F57}"/>
-              </a:ext>
-            </a:extLst>
-          </p:cNvPr>
-          <p:cNvPicPr>
-            <a:picLocks noChangeAspect="1"/>
-          </p:cNvPicPr>
-          <p:nvPr/>
-        </p:nvPicPr>
-        <p:blipFill rotWithShape="1">
-          <a:blip r:embed="rId3"/>
-          <a:srcRect l="2982" t="3174" r="2869" b="2900"/>
-          <a:stretch/>
-        </p:blipFill>
-        <p:spPr>
-          <a:xfrm>
-            <a:off x="8576572" y="4598283"/>
-            <a:ext cx="498106" cy="496941"/>
-          </a:xfrm>
-          <a:prstGeom prst="ellipse">
-            <a:avLst/>
-          </a:prstGeom>
-        </p:spPr>
-      </p:pic>
       <p:pic>
         <p:nvPicPr>
           <p:cNvPr id="5" name="Picture 4">
@@ -30512,6 +30576,36 @@
           <p:nvPr/>
         </p:nvPicPr>
         <p:blipFill>
+          <a:blip r:embed="rId3"/>
+          <a:stretch>
+            <a:fillRect/>
+          </a:stretch>
+        </p:blipFill>
+        <p:spPr>
+          <a:xfrm>
+            <a:off x="2335534" y="950056"/>
+            <a:ext cx="4472931" cy="3791107"/>
+          </a:xfrm>
+          <a:prstGeom prst="rect">
+            <a:avLst/>
+          </a:prstGeom>
+        </p:spPr>
+      </p:pic>
+      <p:pic>
+        <p:nvPicPr>
+          <p:cNvPr id="6" name="Picture 5" descr="A picture containing stool&#10;&#10;Description automatically generated">
+            <a:extLst>
+              <a:ext uri="{FF2B5EF4-FFF2-40B4-BE49-F238E27FC236}">
+                <a16:creationId xmlns:a16="http://schemas.microsoft.com/office/drawing/2014/main" id="{FF8CF7CE-2ACA-49A3-B7F5-C39B6383EC91}"/>
+              </a:ext>
+            </a:extLst>
+          </p:cNvPr>
+          <p:cNvPicPr>
+            <a:picLocks noChangeAspect="1"/>
+          </p:cNvPicPr>
+          <p:nvPr/>
+        </p:nvPicPr>
+        <p:blipFill>
           <a:blip r:embed="rId4"/>
           <a:stretch>
             <a:fillRect/>
@@ -30519,12 +30613,19 @@
         </p:blipFill>
         <p:spPr>
           <a:xfrm>
-            <a:off x="2335534" y="950056"/>
-            <a:ext cx="4472931" cy="3791107"/>
-          </a:xfrm>
-          <a:prstGeom prst="rect">
-            <a:avLst/>
-          </a:prstGeom>
+            <a:off x="8515735" y="4536281"/>
+            <a:ext cx="558943" cy="558943"/>
+          </a:xfrm>
+          <a:prstGeom prst="ellipse">
+            <a:avLst/>
+          </a:prstGeom>
+          <a:effectLst>
+            <a:outerShdw blurRad="63500" sx="102000" sy="102000" algn="ctr" rotWithShape="0">
+              <a:prstClr val="black">
+                <a:alpha val="40000"/>
+              </a:prstClr>
+            </a:outerShdw>
+          </a:effectLst>
         </p:spPr>
       </p:pic>
     </p:spTree>
@@ -30579,7 +30680,11 @@
           <a:lstStyle/>
           <a:p>
             <a:r>
-              <a:rPr lang="en-GB" dirty="0"/>
+              <a:rPr lang="en-GB" dirty="0">
+                <a:solidFill>
+                  <a:schemeClr val="tx2"/>
+                </a:solidFill>
+              </a:rPr>
               <a:t>Tangent: APIs and JSON</a:t>
             </a:r>
           </a:p>
@@ -30615,35 +30720,6 @@
           </a:p>
         </p:txBody>
       </p:sp>
-      <p:pic>
-        <p:nvPicPr>
-          <p:cNvPr id="11" name="Picture 10">
-            <a:extLst>
-              <a:ext uri="{FF2B5EF4-FFF2-40B4-BE49-F238E27FC236}">
-                <a16:creationId xmlns:a16="http://schemas.microsoft.com/office/drawing/2014/main" id="{AE10D547-F5D1-43D9-93EA-E166E3C73F57}"/>
-              </a:ext>
-            </a:extLst>
-          </p:cNvPr>
-          <p:cNvPicPr>
-            <a:picLocks noChangeAspect="1"/>
-          </p:cNvPicPr>
-          <p:nvPr/>
-        </p:nvPicPr>
-        <p:blipFill rotWithShape="1">
-          <a:blip r:embed="rId3"/>
-          <a:srcRect l="2982" t="3174" r="2869" b="2900"/>
-          <a:stretch/>
-        </p:blipFill>
-        <p:spPr>
-          <a:xfrm>
-            <a:off x="8576572" y="4598283"/>
-            <a:ext cx="498106" cy="496941"/>
-          </a:xfrm>
-          <a:prstGeom prst="ellipse">
-            <a:avLst/>
-          </a:prstGeom>
-        </p:spPr>
-      </p:pic>
       <p:pic>
         <p:nvPicPr>
           <p:cNvPr id="4" name="Picture 3">
@@ -30659,7 +30735,7 @@
           <p:nvPr/>
         </p:nvPicPr>
         <p:blipFill>
-          <a:blip r:embed="rId4"/>
+          <a:blip r:embed="rId3"/>
           <a:stretch>
             <a:fillRect/>
           </a:stretch>
@@ -30689,6 +30765,36 @@
           <p:nvPr/>
         </p:nvPicPr>
         <p:blipFill>
+          <a:blip r:embed="rId4"/>
+          <a:stretch>
+            <a:fillRect/>
+          </a:stretch>
+        </p:blipFill>
+        <p:spPr>
+          <a:xfrm>
+            <a:off x="2048256" y="3234819"/>
+            <a:ext cx="5047488" cy="1560503"/>
+          </a:xfrm>
+          <a:prstGeom prst="rect">
+            <a:avLst/>
+          </a:prstGeom>
+        </p:spPr>
+      </p:pic>
+      <p:pic>
+        <p:nvPicPr>
+          <p:cNvPr id="7" name="Picture 6" descr="A picture containing stool&#10;&#10;Description automatically generated">
+            <a:extLst>
+              <a:ext uri="{FF2B5EF4-FFF2-40B4-BE49-F238E27FC236}">
+                <a16:creationId xmlns:a16="http://schemas.microsoft.com/office/drawing/2014/main" id="{F6F0DC94-1AED-40DA-8665-414CF6DD4260}"/>
+              </a:ext>
+            </a:extLst>
+          </p:cNvPr>
+          <p:cNvPicPr>
+            <a:picLocks noChangeAspect="1"/>
+          </p:cNvPicPr>
+          <p:nvPr/>
+        </p:nvPicPr>
+        <p:blipFill>
           <a:blip r:embed="rId5"/>
           <a:stretch>
             <a:fillRect/>
@@ -30696,12 +30802,19 @@
         </p:blipFill>
         <p:spPr>
           <a:xfrm>
-            <a:off x="2048256" y="3234819"/>
-            <a:ext cx="5047488" cy="1560503"/>
-          </a:xfrm>
-          <a:prstGeom prst="rect">
-            <a:avLst/>
-          </a:prstGeom>
+            <a:off x="8515735" y="4536281"/>
+            <a:ext cx="558943" cy="558943"/>
+          </a:xfrm>
+          <a:prstGeom prst="ellipse">
+            <a:avLst/>
+          </a:prstGeom>
+          <a:effectLst>
+            <a:outerShdw blurRad="63500" sx="102000" sy="102000" algn="ctr" rotWithShape="0">
+              <a:prstClr val="black">
+                <a:alpha val="40000"/>
+              </a:prstClr>
+            </a:outerShdw>
+          </a:effectLst>
         </p:spPr>
       </p:pic>
     </p:spTree>
@@ -30798,35 +30911,6 @@
       </p:sp>
       <p:pic>
         <p:nvPicPr>
-          <p:cNvPr id="6" name="Picture 5">
-            <a:extLst>
-              <a:ext uri="{FF2B5EF4-FFF2-40B4-BE49-F238E27FC236}">
-                <a16:creationId xmlns:a16="http://schemas.microsoft.com/office/drawing/2014/main" id="{37949AE5-D60E-4936-B98F-425E2E107293}"/>
-              </a:ext>
-            </a:extLst>
-          </p:cNvPr>
-          <p:cNvPicPr>
-            <a:picLocks noChangeAspect="1"/>
-          </p:cNvPicPr>
-          <p:nvPr/>
-        </p:nvPicPr>
-        <p:blipFill rotWithShape="1">
-          <a:blip r:embed="rId2"/>
-          <a:srcRect l="2982" t="3174" r="2869" b="2900"/>
-          <a:stretch/>
-        </p:blipFill>
-        <p:spPr>
-          <a:xfrm>
-            <a:off x="8576572" y="4598283"/>
-            <a:ext cx="498106" cy="496941"/>
-          </a:xfrm>
-          <a:prstGeom prst="ellipse">
-            <a:avLst/>
-          </a:prstGeom>
-        </p:spPr>
-      </p:pic>
-      <p:pic>
-        <p:nvPicPr>
           <p:cNvPr id="28674" name="Picture 2" descr="Checklist vector icon | Free SVG">
             <a:extLst>
               <a:ext uri="{FF2B5EF4-FFF2-40B4-BE49-F238E27FC236}">
@@ -30840,7 +30924,7 @@
           <p:nvPr/>
         </p:nvPicPr>
         <p:blipFill>
-          <a:blip r:embed="rId3">
+          <a:blip r:embed="rId2">
             <a:extLst>
               <a:ext uri="{28A0092B-C50C-407E-A947-70E740481C1C}">
                 <a14:useLocalDpi xmlns:a14="http://schemas.microsoft.com/office/drawing/2010/main" val="0"/>
@@ -30951,6 +31035,43 @@
           </a:p>
         </p:txBody>
       </p:sp>
+      <p:pic>
+        <p:nvPicPr>
+          <p:cNvPr id="7" name="Picture 6" descr="A picture containing stool&#10;&#10;Description automatically generated">
+            <a:extLst>
+              <a:ext uri="{FF2B5EF4-FFF2-40B4-BE49-F238E27FC236}">
+                <a16:creationId xmlns:a16="http://schemas.microsoft.com/office/drawing/2014/main" id="{D1EF0CA2-A7BE-4E9C-9397-5FBE14610004}"/>
+              </a:ext>
+            </a:extLst>
+          </p:cNvPr>
+          <p:cNvPicPr>
+            <a:picLocks noChangeAspect="1"/>
+          </p:cNvPicPr>
+          <p:nvPr/>
+        </p:nvPicPr>
+        <p:blipFill>
+          <a:blip r:embed="rId3"/>
+          <a:stretch>
+            <a:fillRect/>
+          </a:stretch>
+        </p:blipFill>
+        <p:spPr>
+          <a:xfrm>
+            <a:off x="8515735" y="4536281"/>
+            <a:ext cx="558943" cy="558943"/>
+          </a:xfrm>
+          <a:prstGeom prst="ellipse">
+            <a:avLst/>
+          </a:prstGeom>
+          <a:effectLst>
+            <a:outerShdw blurRad="63500" sx="102000" sy="102000" algn="ctr" rotWithShape="0">
+              <a:prstClr val="black">
+                <a:alpha val="40000"/>
+              </a:prstClr>
+            </a:outerShdw>
+          </a:effectLst>
+        </p:spPr>
+      </p:pic>
     </p:spTree>
     <p:extLst>
       <p:ext uri="{BB962C8B-B14F-4D97-AF65-F5344CB8AC3E}">
@@ -31003,7 +31124,11 @@
           <a:lstStyle/>
           <a:p>
             <a:r>
-              <a:rPr lang="en-GB" dirty="0"/>
+              <a:rPr lang="en-GB" dirty="0">
+                <a:solidFill>
+                  <a:schemeClr val="tx2"/>
+                </a:solidFill>
+              </a:rPr>
               <a:t>Limitations of Lists/Tuples</a:t>
             </a:r>
           </a:p>
@@ -31039,35 +31164,6 @@
           </a:p>
         </p:txBody>
       </p:sp>
-      <p:pic>
-        <p:nvPicPr>
-          <p:cNvPr id="11" name="Picture 10">
-            <a:extLst>
-              <a:ext uri="{FF2B5EF4-FFF2-40B4-BE49-F238E27FC236}">
-                <a16:creationId xmlns:a16="http://schemas.microsoft.com/office/drawing/2014/main" id="{AE10D547-F5D1-43D9-93EA-E166E3C73F57}"/>
-              </a:ext>
-            </a:extLst>
-          </p:cNvPr>
-          <p:cNvPicPr>
-            <a:picLocks noChangeAspect="1"/>
-          </p:cNvPicPr>
-          <p:nvPr/>
-        </p:nvPicPr>
-        <p:blipFill rotWithShape="1">
-          <a:blip r:embed="rId2"/>
-          <a:srcRect l="2982" t="3174" r="2869" b="2900"/>
-          <a:stretch/>
-        </p:blipFill>
-        <p:spPr>
-          <a:xfrm>
-            <a:off x="8576572" y="4598283"/>
-            <a:ext cx="498106" cy="496941"/>
-          </a:xfrm>
-          <a:prstGeom prst="ellipse">
-            <a:avLst/>
-          </a:prstGeom>
-        </p:spPr>
-      </p:pic>
       <p:sp>
         <p:nvSpPr>
           <p:cNvPr id="6" name="Text Placeholder 2">
@@ -31819,6 +31915,43 @@
           </a:p>
         </p:txBody>
       </p:sp>
+      <p:pic>
+        <p:nvPicPr>
+          <p:cNvPr id="10" name="Picture 9" descr="A picture containing stool&#10;&#10;Description automatically generated">
+            <a:extLst>
+              <a:ext uri="{FF2B5EF4-FFF2-40B4-BE49-F238E27FC236}">
+                <a16:creationId xmlns:a16="http://schemas.microsoft.com/office/drawing/2014/main" id="{A6079ADA-4698-427C-83A3-12D1E8F94BAC}"/>
+              </a:ext>
+            </a:extLst>
+          </p:cNvPr>
+          <p:cNvPicPr>
+            <a:picLocks noChangeAspect="1"/>
+          </p:cNvPicPr>
+          <p:nvPr/>
+        </p:nvPicPr>
+        <p:blipFill>
+          <a:blip r:embed="rId2"/>
+          <a:stretch>
+            <a:fillRect/>
+          </a:stretch>
+        </p:blipFill>
+        <p:spPr>
+          <a:xfrm>
+            <a:off x="8515735" y="4536281"/>
+            <a:ext cx="558943" cy="558943"/>
+          </a:xfrm>
+          <a:prstGeom prst="ellipse">
+            <a:avLst/>
+          </a:prstGeom>
+          <a:effectLst>
+            <a:outerShdw blurRad="63500" sx="102000" sy="102000" algn="ctr" rotWithShape="0">
+              <a:prstClr val="black">
+                <a:alpha val="40000"/>
+              </a:prstClr>
+            </a:outerShdw>
+          </a:effectLst>
+        </p:spPr>
+      </p:pic>
     </p:spTree>
     <p:extLst>
       <p:ext uri="{BB962C8B-B14F-4D97-AF65-F5344CB8AC3E}">
@@ -31871,7 +32004,11 @@
           <a:lstStyle/>
           <a:p>
             <a:r>
-              <a:rPr lang="en-GB" dirty="0"/>
+              <a:rPr lang="en-GB" dirty="0">
+                <a:solidFill>
+                  <a:schemeClr val="tx2"/>
+                </a:solidFill>
+              </a:rPr>
               <a:t>Dictionaries</a:t>
             </a:r>
           </a:p>
@@ -31907,35 +32044,6 @@
           </a:p>
         </p:txBody>
       </p:sp>
-      <p:pic>
-        <p:nvPicPr>
-          <p:cNvPr id="11" name="Picture 10">
-            <a:extLst>
-              <a:ext uri="{FF2B5EF4-FFF2-40B4-BE49-F238E27FC236}">
-                <a16:creationId xmlns:a16="http://schemas.microsoft.com/office/drawing/2014/main" id="{AE10D547-F5D1-43D9-93EA-E166E3C73F57}"/>
-              </a:ext>
-            </a:extLst>
-          </p:cNvPr>
-          <p:cNvPicPr>
-            <a:picLocks noChangeAspect="1"/>
-          </p:cNvPicPr>
-          <p:nvPr/>
-        </p:nvPicPr>
-        <p:blipFill rotWithShape="1">
-          <a:blip r:embed="rId2"/>
-          <a:srcRect l="2982" t="3174" r="2869" b="2900"/>
-          <a:stretch/>
-        </p:blipFill>
-        <p:spPr>
-          <a:xfrm>
-            <a:off x="8576572" y="4598283"/>
-            <a:ext cx="498106" cy="496941"/>
-          </a:xfrm>
-          <a:prstGeom prst="ellipse">
-            <a:avLst/>
-          </a:prstGeom>
-        </p:spPr>
-      </p:pic>
       <p:sp>
         <p:nvSpPr>
           <p:cNvPr id="6" name="Text Placeholder 2">
@@ -32194,7 +32302,7 @@
           <p:nvPr/>
         </p:nvPicPr>
         <p:blipFill>
-          <a:blip r:embed="rId3"/>
+          <a:blip r:embed="rId2"/>
           <a:stretch>
             <a:fillRect/>
           </a:stretch>
@@ -32224,6 +32332,36 @@
           <p:nvPr/>
         </p:nvPicPr>
         <p:blipFill>
+          <a:blip r:embed="rId3"/>
+          <a:stretch>
+            <a:fillRect/>
+          </a:stretch>
+        </p:blipFill>
+        <p:spPr>
+          <a:xfrm>
+            <a:off x="5463107" y="3184256"/>
+            <a:ext cx="2993909" cy="1063097"/>
+          </a:xfrm>
+          <a:prstGeom prst="rect">
+            <a:avLst/>
+          </a:prstGeom>
+        </p:spPr>
+      </p:pic>
+      <p:pic>
+        <p:nvPicPr>
+          <p:cNvPr id="9" name="Picture 8" descr="A picture containing stool&#10;&#10;Description automatically generated">
+            <a:extLst>
+              <a:ext uri="{FF2B5EF4-FFF2-40B4-BE49-F238E27FC236}">
+                <a16:creationId xmlns:a16="http://schemas.microsoft.com/office/drawing/2014/main" id="{42A79196-257F-4925-A93F-7BE2E8213DB3}"/>
+              </a:ext>
+            </a:extLst>
+          </p:cNvPr>
+          <p:cNvPicPr>
+            <a:picLocks noChangeAspect="1"/>
+          </p:cNvPicPr>
+          <p:nvPr/>
+        </p:nvPicPr>
+        <p:blipFill>
           <a:blip r:embed="rId4"/>
           <a:stretch>
             <a:fillRect/>
@@ -32231,12 +32369,19 @@
         </p:blipFill>
         <p:spPr>
           <a:xfrm>
-            <a:off x="5463107" y="3184256"/>
-            <a:ext cx="2993909" cy="1063097"/>
-          </a:xfrm>
-          <a:prstGeom prst="rect">
-            <a:avLst/>
-          </a:prstGeom>
+            <a:off x="8515735" y="4536281"/>
+            <a:ext cx="558943" cy="558943"/>
+          </a:xfrm>
+          <a:prstGeom prst="ellipse">
+            <a:avLst/>
+          </a:prstGeom>
+          <a:effectLst>
+            <a:outerShdw blurRad="63500" sx="102000" sy="102000" algn="ctr" rotWithShape="0">
+              <a:prstClr val="black">
+                <a:alpha val="40000"/>
+              </a:prstClr>
+            </a:outerShdw>
+          </a:effectLst>
         </p:spPr>
       </p:pic>
     </p:spTree>
@@ -32291,7 +32436,11 @@
           <a:lstStyle/>
           <a:p>
             <a:r>
-              <a:rPr lang="en-GB" dirty="0"/>
+              <a:rPr lang="en-GB" dirty="0">
+                <a:solidFill>
+                  <a:schemeClr val="tx2"/>
+                </a:solidFill>
+              </a:rPr>
               <a:t>Tangent: Ordered Dictionaries</a:t>
             </a:r>
           </a:p>
@@ -32327,35 +32476,6 @@
           </a:p>
         </p:txBody>
       </p:sp>
-      <p:pic>
-        <p:nvPicPr>
-          <p:cNvPr id="11" name="Picture 10">
-            <a:extLst>
-              <a:ext uri="{FF2B5EF4-FFF2-40B4-BE49-F238E27FC236}">
-                <a16:creationId xmlns:a16="http://schemas.microsoft.com/office/drawing/2014/main" id="{AE10D547-F5D1-43D9-93EA-E166E3C73F57}"/>
-              </a:ext>
-            </a:extLst>
-          </p:cNvPr>
-          <p:cNvPicPr>
-            <a:picLocks noChangeAspect="1"/>
-          </p:cNvPicPr>
-          <p:nvPr/>
-        </p:nvPicPr>
-        <p:blipFill rotWithShape="1">
-          <a:blip r:embed="rId2"/>
-          <a:srcRect l="2982" t="3174" r="2869" b="2900"/>
-          <a:stretch/>
-        </p:blipFill>
-        <p:spPr>
-          <a:xfrm>
-            <a:off x="8576572" y="4598283"/>
-            <a:ext cx="498106" cy="496941"/>
-          </a:xfrm>
-          <a:prstGeom prst="ellipse">
-            <a:avLst/>
-          </a:prstGeom>
-        </p:spPr>
-      </p:pic>
       <p:sp>
         <p:nvSpPr>
           <p:cNvPr id="6" name="Text Placeholder 2">
@@ -32574,6 +32694,36 @@
           <p:nvPr/>
         </p:nvPicPr>
         <p:blipFill>
+          <a:blip r:embed="rId2"/>
+          <a:stretch>
+            <a:fillRect/>
+          </a:stretch>
+        </p:blipFill>
+        <p:spPr>
+          <a:xfrm>
+            <a:off x="1084207" y="2813382"/>
+            <a:ext cx="7071360" cy="1307997"/>
+          </a:xfrm>
+          <a:prstGeom prst="rect">
+            <a:avLst/>
+          </a:prstGeom>
+        </p:spPr>
+      </p:pic>
+      <p:pic>
+        <p:nvPicPr>
+          <p:cNvPr id="7" name="Picture 6" descr="A picture containing stool&#10;&#10;Description automatically generated">
+            <a:extLst>
+              <a:ext uri="{FF2B5EF4-FFF2-40B4-BE49-F238E27FC236}">
+                <a16:creationId xmlns:a16="http://schemas.microsoft.com/office/drawing/2014/main" id="{FFF65418-9A2C-4A81-9706-1430E00FAFC1}"/>
+              </a:ext>
+            </a:extLst>
+          </p:cNvPr>
+          <p:cNvPicPr>
+            <a:picLocks noChangeAspect="1"/>
+          </p:cNvPicPr>
+          <p:nvPr/>
+        </p:nvPicPr>
+        <p:blipFill>
           <a:blip r:embed="rId3"/>
           <a:stretch>
             <a:fillRect/>
@@ -32581,12 +32731,19 @@
         </p:blipFill>
         <p:spPr>
           <a:xfrm>
-            <a:off x="1084207" y="2813382"/>
-            <a:ext cx="7071360" cy="1307997"/>
-          </a:xfrm>
-          <a:prstGeom prst="rect">
-            <a:avLst/>
-          </a:prstGeom>
+            <a:off x="8515735" y="4536281"/>
+            <a:ext cx="558943" cy="558943"/>
+          </a:xfrm>
+          <a:prstGeom prst="ellipse">
+            <a:avLst/>
+          </a:prstGeom>
+          <a:effectLst>
+            <a:outerShdw blurRad="63500" sx="102000" sy="102000" algn="ctr" rotWithShape="0">
+              <a:prstClr val="black">
+                <a:alpha val="40000"/>
+              </a:prstClr>
+            </a:outerShdw>
+          </a:effectLst>
         </p:spPr>
       </p:pic>
     </p:spTree>
@@ -32641,7 +32798,11 @@
           <a:lstStyle/>
           <a:p>
             <a:r>
-              <a:rPr lang="en-GB" dirty="0"/>
+              <a:rPr lang="en-GB" dirty="0">
+                <a:solidFill>
+                  <a:schemeClr val="tx2"/>
+                </a:solidFill>
+              </a:rPr>
               <a:t>Dictionaries</a:t>
             </a:r>
           </a:p>
@@ -32677,35 +32838,6 @@
           </a:p>
         </p:txBody>
       </p:sp>
-      <p:pic>
-        <p:nvPicPr>
-          <p:cNvPr id="11" name="Picture 10">
-            <a:extLst>
-              <a:ext uri="{FF2B5EF4-FFF2-40B4-BE49-F238E27FC236}">
-                <a16:creationId xmlns:a16="http://schemas.microsoft.com/office/drawing/2014/main" id="{AE10D547-F5D1-43D9-93EA-E166E3C73F57}"/>
-              </a:ext>
-            </a:extLst>
-          </p:cNvPr>
-          <p:cNvPicPr>
-            <a:picLocks noChangeAspect="1"/>
-          </p:cNvPicPr>
-          <p:nvPr/>
-        </p:nvPicPr>
-        <p:blipFill rotWithShape="1">
-          <a:blip r:embed="rId3"/>
-          <a:srcRect l="2982" t="3174" r="2869" b="2900"/>
-          <a:stretch/>
-        </p:blipFill>
-        <p:spPr>
-          <a:xfrm>
-            <a:off x="8576572" y="4598283"/>
-            <a:ext cx="498106" cy="496941"/>
-          </a:xfrm>
-          <a:prstGeom prst="ellipse">
-            <a:avLst/>
-          </a:prstGeom>
-        </p:spPr>
-      </p:pic>
       <p:sp>
         <p:nvSpPr>
           <p:cNvPr id="6" name="Text Placeholder 2">
@@ -32968,7 +33100,7 @@
           <p:nvPr/>
         </p:nvPicPr>
         <p:blipFill>
-          <a:blip r:embed="rId4"/>
+          <a:blip r:embed="rId3"/>
           <a:stretch>
             <a:fillRect/>
           </a:stretch>
@@ -33051,6 +33183,36 @@
           <p:nvPr/>
         </p:nvPicPr>
         <p:blipFill>
+          <a:blip r:embed="rId4"/>
+          <a:stretch>
+            <a:fillRect/>
+          </a:stretch>
+        </p:blipFill>
+        <p:spPr>
+          <a:xfrm>
+            <a:off x="4572000" y="3242616"/>
+            <a:ext cx="3299403" cy="1575581"/>
+          </a:xfrm>
+          <a:prstGeom prst="rect">
+            <a:avLst/>
+          </a:prstGeom>
+        </p:spPr>
+      </p:pic>
+      <p:pic>
+        <p:nvPicPr>
+          <p:cNvPr id="9" name="Picture 8" descr="A picture containing stool&#10;&#10;Description automatically generated">
+            <a:extLst>
+              <a:ext uri="{FF2B5EF4-FFF2-40B4-BE49-F238E27FC236}">
+                <a16:creationId xmlns:a16="http://schemas.microsoft.com/office/drawing/2014/main" id="{F630D00F-4F5D-4E3C-91F3-DDA953BA75EE}"/>
+              </a:ext>
+            </a:extLst>
+          </p:cNvPr>
+          <p:cNvPicPr>
+            <a:picLocks noChangeAspect="1"/>
+          </p:cNvPicPr>
+          <p:nvPr/>
+        </p:nvPicPr>
+        <p:blipFill>
           <a:blip r:embed="rId5"/>
           <a:stretch>
             <a:fillRect/>
@@ -33058,12 +33220,19 @@
         </p:blipFill>
         <p:spPr>
           <a:xfrm>
-            <a:off x="4572000" y="3242616"/>
-            <a:ext cx="3299403" cy="1575581"/>
-          </a:xfrm>
-          <a:prstGeom prst="rect">
-            <a:avLst/>
-          </a:prstGeom>
+            <a:off x="8515735" y="4536281"/>
+            <a:ext cx="558943" cy="558943"/>
+          </a:xfrm>
+          <a:prstGeom prst="ellipse">
+            <a:avLst/>
+          </a:prstGeom>
+          <a:effectLst>
+            <a:outerShdw blurRad="63500" sx="102000" sy="102000" algn="ctr" rotWithShape="0">
+              <a:prstClr val="black">
+                <a:alpha val="40000"/>
+              </a:prstClr>
+            </a:outerShdw>
+          </a:effectLst>
         </p:spPr>
       </p:pic>
     </p:spTree>
@@ -33223,7 +33392,11 @@
           <a:lstStyle/>
           <a:p>
             <a:r>
-              <a:rPr lang="en-GB" dirty="0"/>
+              <a:rPr lang="en-GB" dirty="0">
+                <a:solidFill>
+                  <a:schemeClr val="tx2"/>
+                </a:solidFill>
+              </a:rPr>
               <a:t>Dictionaries Puzzles</a:t>
             </a:r>
           </a:p>
@@ -33259,35 +33432,6 @@
           </a:p>
         </p:txBody>
       </p:sp>
-      <p:pic>
-        <p:nvPicPr>
-          <p:cNvPr id="11" name="Picture 10">
-            <a:extLst>
-              <a:ext uri="{FF2B5EF4-FFF2-40B4-BE49-F238E27FC236}">
-                <a16:creationId xmlns:a16="http://schemas.microsoft.com/office/drawing/2014/main" id="{AE10D547-F5D1-43D9-93EA-E166E3C73F57}"/>
-              </a:ext>
-            </a:extLst>
-          </p:cNvPr>
-          <p:cNvPicPr>
-            <a:picLocks noChangeAspect="1"/>
-          </p:cNvPicPr>
-          <p:nvPr/>
-        </p:nvPicPr>
-        <p:blipFill rotWithShape="1">
-          <a:blip r:embed="rId3"/>
-          <a:srcRect l="2982" t="3174" r="2869" b="2900"/>
-          <a:stretch/>
-        </p:blipFill>
-        <p:spPr>
-          <a:xfrm>
-            <a:off x="8576572" y="4598283"/>
-            <a:ext cx="498106" cy="496941"/>
-          </a:xfrm>
-          <a:prstGeom prst="ellipse">
-            <a:avLst/>
-          </a:prstGeom>
-        </p:spPr>
-      </p:pic>
       <p:sp>
         <p:nvSpPr>
           <p:cNvPr id="6" name="Text Placeholder 2">
@@ -33626,7 +33770,7 @@
           <p:nvPr/>
         </p:nvPicPr>
         <p:blipFill rotWithShape="1">
-          <a:blip r:embed="rId4"/>
+          <a:blip r:embed="rId3"/>
           <a:srcRect t="-1" b="45238"/>
           <a:stretch/>
         </p:blipFill>
@@ -33638,6 +33782,43 @@
           <a:prstGeom prst="rect">
             <a:avLst/>
           </a:prstGeom>
+        </p:spPr>
+      </p:pic>
+      <p:pic>
+        <p:nvPicPr>
+          <p:cNvPr id="7" name="Picture 6" descr="A picture containing stool&#10;&#10;Description automatically generated">
+            <a:extLst>
+              <a:ext uri="{FF2B5EF4-FFF2-40B4-BE49-F238E27FC236}">
+                <a16:creationId xmlns:a16="http://schemas.microsoft.com/office/drawing/2014/main" id="{8F8A80A2-06E6-4662-BA63-5C08BDEF81B2}"/>
+              </a:ext>
+            </a:extLst>
+          </p:cNvPr>
+          <p:cNvPicPr>
+            <a:picLocks noChangeAspect="1"/>
+          </p:cNvPicPr>
+          <p:nvPr/>
+        </p:nvPicPr>
+        <p:blipFill>
+          <a:blip r:embed="rId4"/>
+          <a:stretch>
+            <a:fillRect/>
+          </a:stretch>
+        </p:blipFill>
+        <p:spPr>
+          <a:xfrm>
+            <a:off x="8515735" y="4536281"/>
+            <a:ext cx="558943" cy="558943"/>
+          </a:xfrm>
+          <a:prstGeom prst="ellipse">
+            <a:avLst/>
+          </a:prstGeom>
+          <a:effectLst>
+            <a:outerShdw blurRad="63500" sx="102000" sy="102000" algn="ctr" rotWithShape="0">
+              <a:prstClr val="black">
+                <a:alpha val="40000"/>
+              </a:prstClr>
+            </a:outerShdw>
+          </a:effectLst>
         </p:spPr>
       </p:pic>
     </p:spTree>
@@ -33692,7 +33873,11 @@
           <a:lstStyle/>
           <a:p>
             <a:r>
-              <a:rPr lang="en-GB" dirty="0"/>
+              <a:rPr lang="en-GB" dirty="0">
+                <a:solidFill>
+                  <a:schemeClr val="tx2"/>
+                </a:solidFill>
+              </a:rPr>
               <a:t>Dictionaries Puzzles Solutions</a:t>
             </a:r>
           </a:p>
@@ -33728,35 +33913,6 @@
           </a:p>
         </p:txBody>
       </p:sp>
-      <p:pic>
-        <p:nvPicPr>
-          <p:cNvPr id="11" name="Picture 10">
-            <a:extLst>
-              <a:ext uri="{FF2B5EF4-FFF2-40B4-BE49-F238E27FC236}">
-                <a16:creationId xmlns:a16="http://schemas.microsoft.com/office/drawing/2014/main" id="{AE10D547-F5D1-43D9-93EA-E166E3C73F57}"/>
-              </a:ext>
-            </a:extLst>
-          </p:cNvPr>
-          <p:cNvPicPr>
-            <a:picLocks noChangeAspect="1"/>
-          </p:cNvPicPr>
-          <p:nvPr/>
-        </p:nvPicPr>
-        <p:blipFill rotWithShape="1">
-          <a:blip r:embed="rId3"/>
-          <a:srcRect l="2982" t="3174" r="2869" b="2900"/>
-          <a:stretch/>
-        </p:blipFill>
-        <p:spPr>
-          <a:xfrm>
-            <a:off x="8576572" y="4598283"/>
-            <a:ext cx="498106" cy="496941"/>
-          </a:xfrm>
-          <a:prstGeom prst="ellipse">
-            <a:avLst/>
-          </a:prstGeom>
-        </p:spPr>
-      </p:pic>
       <p:sp>
         <p:nvSpPr>
           <p:cNvPr id="6" name="Text Placeholder 2">
@@ -33976,7 +34132,7 @@
           <p:nvPr/>
         </p:nvPicPr>
         <p:blipFill rotWithShape="1">
-          <a:blip r:embed="rId4"/>
+          <a:blip r:embed="rId3"/>
           <a:srcRect t="-1" b="-1946"/>
           <a:stretch/>
         </p:blipFill>
@@ -34005,7 +34161,7 @@
           <p:nvPr/>
         </p:nvPicPr>
         <p:blipFill>
-          <a:blip r:embed="rId5"/>
+          <a:blip r:embed="rId4"/>
           <a:stretch>
             <a:fillRect/>
           </a:stretch>
@@ -34035,6 +34191,36 @@
           <p:nvPr/>
         </p:nvPicPr>
         <p:blipFill>
+          <a:blip r:embed="rId5"/>
+          <a:stretch>
+            <a:fillRect/>
+          </a:stretch>
+        </p:blipFill>
+        <p:spPr>
+          <a:xfrm>
+            <a:off x="2319184" y="2519428"/>
+            <a:ext cx="4455692" cy="942257"/>
+          </a:xfrm>
+          <a:prstGeom prst="rect">
+            <a:avLst/>
+          </a:prstGeom>
+        </p:spPr>
+      </p:pic>
+      <p:pic>
+        <p:nvPicPr>
+          <p:cNvPr id="9" name="Picture 8" descr="A picture containing stool&#10;&#10;Description automatically generated">
+            <a:extLst>
+              <a:ext uri="{FF2B5EF4-FFF2-40B4-BE49-F238E27FC236}">
+                <a16:creationId xmlns:a16="http://schemas.microsoft.com/office/drawing/2014/main" id="{0885F542-63CC-476F-8E33-59E655CF872A}"/>
+              </a:ext>
+            </a:extLst>
+          </p:cNvPr>
+          <p:cNvPicPr>
+            <a:picLocks noChangeAspect="1"/>
+          </p:cNvPicPr>
+          <p:nvPr/>
+        </p:nvPicPr>
+        <p:blipFill>
           <a:blip r:embed="rId6"/>
           <a:stretch>
             <a:fillRect/>
@@ -34042,12 +34228,19 @@
         </p:blipFill>
         <p:spPr>
           <a:xfrm>
-            <a:off x="2319184" y="2519428"/>
-            <a:ext cx="4455692" cy="942257"/>
-          </a:xfrm>
-          <a:prstGeom prst="rect">
-            <a:avLst/>
-          </a:prstGeom>
+            <a:off x="8515735" y="4536281"/>
+            <a:ext cx="558943" cy="558943"/>
+          </a:xfrm>
+          <a:prstGeom prst="ellipse">
+            <a:avLst/>
+          </a:prstGeom>
+          <a:effectLst>
+            <a:outerShdw blurRad="63500" sx="102000" sy="102000" algn="ctr" rotWithShape="0">
+              <a:prstClr val="black">
+                <a:alpha val="40000"/>
+              </a:prstClr>
+            </a:outerShdw>
+          </a:effectLst>
         </p:spPr>
       </p:pic>
     </p:spTree>
@@ -34102,7 +34295,11 @@
           <a:lstStyle/>
           <a:p>
             <a:r>
-              <a:rPr lang="en-GB" dirty="0"/>
+              <a:rPr lang="en-GB" dirty="0">
+                <a:solidFill>
+                  <a:schemeClr val="tx2"/>
+                </a:solidFill>
+              </a:rPr>
               <a:t>Manipulating Dictionaries</a:t>
             </a:r>
           </a:p>
@@ -34138,35 +34335,6 @@
           </a:p>
         </p:txBody>
       </p:sp>
-      <p:pic>
-        <p:nvPicPr>
-          <p:cNvPr id="11" name="Picture 10">
-            <a:extLst>
-              <a:ext uri="{FF2B5EF4-FFF2-40B4-BE49-F238E27FC236}">
-                <a16:creationId xmlns:a16="http://schemas.microsoft.com/office/drawing/2014/main" id="{AE10D547-F5D1-43D9-93EA-E166E3C73F57}"/>
-              </a:ext>
-            </a:extLst>
-          </p:cNvPr>
-          <p:cNvPicPr>
-            <a:picLocks noChangeAspect="1"/>
-          </p:cNvPicPr>
-          <p:nvPr/>
-        </p:nvPicPr>
-        <p:blipFill rotWithShape="1">
-          <a:blip r:embed="rId3"/>
-          <a:srcRect l="2982" t="3174" r="2869" b="2900"/>
-          <a:stretch/>
-        </p:blipFill>
-        <p:spPr>
-          <a:xfrm>
-            <a:off x="8576572" y="4598283"/>
-            <a:ext cx="498106" cy="496941"/>
-          </a:xfrm>
-          <a:prstGeom prst="ellipse">
-            <a:avLst/>
-          </a:prstGeom>
-        </p:spPr>
-      </p:pic>
       <p:sp>
         <p:nvSpPr>
           <p:cNvPr id="6" name="Text Placeholder 2">
@@ -34919,7 +35087,7 @@
           <p:nvPr/>
         </p:nvPicPr>
         <p:blipFill>
-          <a:blip r:embed="rId4"/>
+          <a:blip r:embed="rId3"/>
           <a:stretch>
             <a:fillRect/>
           </a:stretch>
@@ -34949,7 +35117,7 @@
           <p:nvPr/>
         </p:nvPicPr>
         <p:blipFill>
-          <a:blip r:embed="rId5"/>
+          <a:blip r:embed="rId4"/>
           <a:stretch>
             <a:fillRect/>
           </a:stretch>
@@ -34979,7 +35147,7 @@
           <p:nvPr/>
         </p:nvPicPr>
         <p:blipFill>
-          <a:blip r:embed="rId6"/>
+          <a:blip r:embed="rId5"/>
           <a:stretch>
             <a:fillRect/>
           </a:stretch>
@@ -35009,6 +35177,36 @@
           <p:nvPr/>
         </p:nvPicPr>
         <p:blipFill>
+          <a:blip r:embed="rId6"/>
+          <a:stretch>
+            <a:fillRect/>
+          </a:stretch>
+        </p:blipFill>
+        <p:spPr>
+          <a:xfrm>
+            <a:off x="5262608" y="2510165"/>
+            <a:ext cx="2928304" cy="751081"/>
+          </a:xfrm>
+          <a:prstGeom prst="rect">
+            <a:avLst/>
+          </a:prstGeom>
+        </p:spPr>
+      </p:pic>
+      <p:pic>
+        <p:nvPicPr>
+          <p:cNvPr id="12" name="Picture 11" descr="A picture containing stool&#10;&#10;Description automatically generated">
+            <a:extLst>
+              <a:ext uri="{FF2B5EF4-FFF2-40B4-BE49-F238E27FC236}">
+                <a16:creationId xmlns:a16="http://schemas.microsoft.com/office/drawing/2014/main" id="{1D2A2498-1B5B-4522-8B82-079E8F12B45D}"/>
+              </a:ext>
+            </a:extLst>
+          </p:cNvPr>
+          <p:cNvPicPr>
+            <a:picLocks noChangeAspect="1"/>
+          </p:cNvPicPr>
+          <p:nvPr/>
+        </p:nvPicPr>
+        <p:blipFill>
           <a:blip r:embed="rId7"/>
           <a:stretch>
             <a:fillRect/>
@@ -35016,12 +35214,19 @@
         </p:blipFill>
         <p:spPr>
           <a:xfrm>
-            <a:off x="5262608" y="2510165"/>
-            <a:ext cx="2928304" cy="751081"/>
-          </a:xfrm>
-          <a:prstGeom prst="rect">
-            <a:avLst/>
-          </a:prstGeom>
+            <a:off x="8515735" y="4536281"/>
+            <a:ext cx="558943" cy="558943"/>
+          </a:xfrm>
+          <a:prstGeom prst="ellipse">
+            <a:avLst/>
+          </a:prstGeom>
+          <a:effectLst>
+            <a:outerShdw blurRad="63500" sx="102000" sy="102000" algn="ctr" rotWithShape="0">
+              <a:prstClr val="black">
+                <a:alpha val="40000"/>
+              </a:prstClr>
+            </a:outerShdw>
+          </a:effectLst>
         </p:spPr>
       </p:pic>
     </p:spTree>
@@ -35046,42 +35251,42 @@
 <file path=ppt/theme/theme1.xml><?xml version="1.0" encoding="utf-8"?>
 <a:theme xmlns:a="http://schemas.openxmlformats.org/drawingml/2006/main" name="AZ Cover Slide Options">
   <a:themeElements>
-    <a:clrScheme name="Custom 239">
+    <a:clrScheme name="Blue">
       <a:dk1>
-        <a:srgbClr val="000000"/>
+        <a:sysClr val="windowText" lastClr="000000"/>
       </a:dk1>
       <a:lt1>
-        <a:srgbClr val="FFFFFF"/>
+        <a:sysClr val="window" lastClr="FFFFFF"/>
       </a:lt1>
       <a:dk2>
-        <a:srgbClr val="830051"/>
+        <a:srgbClr val="17406D"/>
       </a:dk2>
       <a:lt2>
-        <a:srgbClr val="F0AB00"/>
+        <a:srgbClr val="DBEFF9"/>
       </a:lt2>
       <a:accent1>
-        <a:srgbClr val="830051"/>
+        <a:srgbClr val="0F6FC6"/>
       </a:accent1>
       <a:accent2>
-        <a:srgbClr val="003865"/>
+        <a:srgbClr val="009DD9"/>
       </a:accent2>
       <a:accent3>
-        <a:srgbClr val="68D2DF"/>
+        <a:srgbClr val="0BD0D9"/>
       </a:accent3>
       <a:accent4>
-        <a:srgbClr val="3C1053"/>
+        <a:srgbClr val="10CF9B"/>
       </a:accent4>
       <a:accent5>
-        <a:srgbClr val="C4D600"/>
+        <a:srgbClr val="7CCA62"/>
       </a:accent5>
       <a:accent6>
-        <a:srgbClr val="3F4444"/>
+        <a:srgbClr val="A5C249"/>
       </a:accent6>
       <a:hlink>
-        <a:srgbClr val="003865"/>
+        <a:srgbClr val="F49100"/>
       </a:hlink>
       <a:folHlink>
-        <a:srgbClr val="9DB0AC"/>
+        <a:srgbClr val="85DFD0"/>
       </a:folHlink>
     </a:clrScheme>
     <a:fontScheme name="Office Classic 2">
@@ -37033,7 +37238,11 @@
 
 <file path=customXml/item1.xml><?xml version="1.0" encoding="utf-8"?>
 <?mso-contentType ?>
-<SharedContentType xmlns="Microsoft.SharePoint.Taxonomy.ContentTypeSync" SourceId="1ee89e71-04cd-405e-9ca3-99e020c1694d" ContentTypeId="0x0101" PreviousValue="false"/>
+<FormTemplates xmlns="http://schemas.microsoft.com/sharepoint/v3/contenttype/forms">
+  <Display>DocumentLibraryForm</Display>
+  <Edit>DocumentLibraryForm</Edit>
+  <New>DocumentLibraryForm</New>
+</FormTemplates>
 </file>
 
 <file path=customXml/item2.xml><?xml version="1.0" encoding="utf-8"?>
@@ -37217,11 +37426,7 @@
 
 <file path=customXml/item3.xml><?xml version="1.0" encoding="utf-8"?>
 <?mso-contentType ?>
-<FormTemplates xmlns="http://schemas.microsoft.com/sharepoint/v3/contenttype/forms">
-  <Display>DocumentLibraryForm</Display>
-  <Edit>DocumentLibraryForm</Edit>
-  <New>DocumentLibraryForm</New>
-</FormTemplates>
+<SharedContentType xmlns="Microsoft.SharePoint.Taxonomy.ContentTypeSync" SourceId="1ee89e71-04cd-405e-9ca3-99e020c1694d" ContentTypeId="0x0101" PreviousValue="false"/>
 </file>
 
 <file path=customXml/item4.xml><?xml version="1.0" encoding="utf-8"?>
@@ -37234,9 +37439,9 @@
 </file>
 
 <file path=customXml/itemProps1.xml><?xml version="1.0" encoding="utf-8"?>
-<ds:datastoreItem xmlns:ds="http://schemas.openxmlformats.org/officeDocument/2006/customXml" ds:itemID="{91989A13-6EBC-4BFF-A25C-E4D3CAAA08AF}">
+<ds:datastoreItem xmlns:ds="http://schemas.openxmlformats.org/officeDocument/2006/customXml" ds:itemID="{BEBDFA33-3959-412D-BF65-F572B77FF4EC}">
   <ds:schemaRefs>
-    <ds:schemaRef ds:uri="Microsoft.SharePoint.Taxonomy.ContentTypeSync"/>
+    <ds:schemaRef ds:uri="http://schemas.microsoft.com/sharepoint/v3/contenttype/forms"/>
   </ds:schemaRefs>
 </ds:datastoreItem>
 </file>
@@ -37261,9 +37466,9 @@
 </file>
 
 <file path=customXml/itemProps3.xml><?xml version="1.0" encoding="utf-8"?>
-<ds:datastoreItem xmlns:ds="http://schemas.openxmlformats.org/officeDocument/2006/customXml" ds:itemID="{BEBDFA33-3959-412D-BF65-F572B77FF4EC}">
+<ds:datastoreItem xmlns:ds="http://schemas.openxmlformats.org/officeDocument/2006/customXml" ds:itemID="{91989A13-6EBC-4BFF-A25C-E4D3CAAA08AF}">
   <ds:schemaRefs>
-    <ds:schemaRef ds:uri="http://schemas.microsoft.com/sharepoint/v3/contenttype/forms"/>
+    <ds:schemaRef ds:uri="Microsoft.SharePoint.Taxonomy.ContentTypeSync"/>
   </ds:schemaRefs>
 </ds:datastoreItem>
 </file>

--- a/session_seven/session_seven_presentation.pptx
+++ b/session_seven/session_seven_presentation.pptx
@@ -28086,6 +28086,37 @@
               </a14:hiddenFill>
             </a:ext>
           </a:extLst>
+        </p:spPr>
+      </p:pic>
+      <p:pic>
+        <p:nvPicPr>
+          <p:cNvPr id="11" name="Picture 10" descr="A picture containing drawing, light, plate&#10;&#10;Description automatically generated">
+            <a:hlinkClick r:id="rId7"/>
+            <a:extLst>
+              <a:ext uri="{FF2B5EF4-FFF2-40B4-BE49-F238E27FC236}">
+                <a16:creationId xmlns:a16="http://schemas.microsoft.com/office/drawing/2014/main" id="{7A2E3E56-E853-40A0-92B3-EBF14FCF6881}"/>
+              </a:ext>
+            </a:extLst>
+          </p:cNvPr>
+          <p:cNvPicPr>
+            <a:picLocks noChangeAspect="1"/>
+          </p:cNvPicPr>
+          <p:nvPr/>
+        </p:nvPicPr>
+        <p:blipFill>
+          <a:blip r:embed="rId8"/>
+          <a:stretch>
+            <a:fillRect/>
+          </a:stretch>
+        </p:blipFill>
+        <p:spPr>
+          <a:xfrm>
+            <a:off x="6498567" y="942188"/>
+            <a:ext cx="2419199" cy="504000"/>
+          </a:xfrm>
+          <a:prstGeom prst="rect">
+            <a:avLst/>
+          </a:prstGeom>
         </p:spPr>
       </p:pic>
     </p:spTree>
@@ -37246,6 +37277,20 @@
 </file>
 
 <file path=customXml/item2.xml><?xml version="1.0" encoding="utf-8"?>
+<p:properties xmlns:p="http://schemas.microsoft.com/office/2006/metadata/properties" xmlns:xsi="http://www.w3.org/2001/XMLSchema-instance" xmlns:pc="http://schemas.microsoft.com/office/infopath/2007/PartnerControls">
+  <documentManagement>
+    <Keyword xmlns="44a56295-c29e-4898-8136-a54736c65b82" xsi:nil="true"/>
+    <Descriptions xmlns="44a56295-c29e-4898-8136-a54736c65b82" xsi:nil="true"/>
+  </documentManagement>
+</p:properties>
+</file>
+
+<file path=customXml/item3.xml><?xml version="1.0" encoding="utf-8"?>
+<?mso-contentType ?>
+<SharedContentType xmlns="Microsoft.SharePoint.Taxonomy.ContentTypeSync" SourceId="1ee89e71-04cd-405e-9ca3-99e020c1694d" ContentTypeId="0x0101" PreviousValue="false"/>
+</file>
+
+<file path=customXml/item4.xml><?xml version="1.0" encoding="utf-8"?>
 <ct:contentTypeSchema xmlns:ct="http://schemas.microsoft.com/office/2006/metadata/contentType" xmlns:ma="http://schemas.microsoft.com/office/2006/metadata/properties/metaAttributes" ct:_="" ma:_="" ma:contentTypeName="Document" ma:contentTypeID="0x010100C9F3DD611966374C9EAA8DC5A2F94CD8" ma:contentTypeVersion="8" ma:contentTypeDescription="Create a new document." ma:contentTypeScope="" ma:versionID="18a8759320524e51783f13c6663a10d1">
   <xsd:schema xmlns:xsd="http://www.w3.org/2001/XMLSchema" xmlns:xs="http://www.w3.org/2001/XMLSchema" xmlns:p="http://schemas.microsoft.com/office/2006/metadata/properties" xmlns:ns2="44a56295-c29e-4898-8136-a54736c65b82" xmlns:ns3="9675ef8f-b755-4cd6-a742-8cae3d86c4fe" targetNamespace="http://schemas.microsoft.com/office/2006/metadata/properties" ma:root="true" ma:fieldsID="1b693415669a5bc10d56a9234ce5202b" ns2:_="" ns3:_="">
     <xsd:import namespace="44a56295-c29e-4898-8136-a54736c65b82"/>
@@ -37424,20 +37469,6 @@
 </ct:contentTypeSchema>
 </file>
 
-<file path=customXml/item3.xml><?xml version="1.0" encoding="utf-8"?>
-<?mso-contentType ?>
-<SharedContentType xmlns="Microsoft.SharePoint.Taxonomy.ContentTypeSync" SourceId="1ee89e71-04cd-405e-9ca3-99e020c1694d" ContentTypeId="0x0101" PreviousValue="false"/>
-</file>
-
-<file path=customXml/item4.xml><?xml version="1.0" encoding="utf-8"?>
-<p:properties xmlns:p="http://schemas.microsoft.com/office/2006/metadata/properties" xmlns:xsi="http://www.w3.org/2001/XMLSchema-instance" xmlns:pc="http://schemas.microsoft.com/office/infopath/2007/PartnerControls">
-  <documentManagement>
-    <Keyword xmlns="44a56295-c29e-4898-8136-a54736c65b82" xsi:nil="true"/>
-    <Descriptions xmlns="44a56295-c29e-4898-8136-a54736c65b82" xsi:nil="true"/>
-  </documentManagement>
-</p:properties>
-</file>
-
 <file path=customXml/itemProps1.xml><?xml version="1.0" encoding="utf-8"?>
 <ds:datastoreItem xmlns:ds="http://schemas.openxmlformats.org/officeDocument/2006/customXml" ds:itemID="{BEBDFA33-3959-412D-BF65-F572B77FF4EC}">
   <ds:schemaRefs>
@@ -37447,6 +37478,31 @@
 </file>
 
 <file path=customXml/itemProps2.xml><?xml version="1.0" encoding="utf-8"?>
+<ds:datastoreItem xmlns:ds="http://schemas.openxmlformats.org/officeDocument/2006/customXml" ds:itemID="{9F6F5FD0-A94F-4E0E-8953-A634089166A9}">
+  <ds:schemaRefs>
+    <ds:schemaRef ds:uri="44a56295-c29e-4898-8136-a54736c65b82"/>
+    <ds:schemaRef ds:uri="9675ef8f-b755-4cd6-a742-8cae3d86c4fe"/>
+    <ds:schemaRef ds:uri="http://purl.org/dc/dcmitype/"/>
+    <ds:schemaRef ds:uri="http://purl.org/dc/elements/1.1/"/>
+    <ds:schemaRef ds:uri="http://purl.org/dc/terms/"/>
+    <ds:schemaRef ds:uri="http://schemas.microsoft.com/office/2006/documentManagement/types"/>
+    <ds:schemaRef ds:uri="http://schemas.microsoft.com/office/2006/metadata/properties"/>
+    <ds:schemaRef ds:uri="http://schemas.microsoft.com/office/infopath/2007/PartnerControls"/>
+    <ds:schemaRef ds:uri="http://schemas.openxmlformats.org/package/2006/metadata/core-properties"/>
+    <ds:schemaRef ds:uri="http://www.w3.org/XML/1998/namespace"/>
+  </ds:schemaRefs>
+</ds:datastoreItem>
+</file>
+
+<file path=customXml/itemProps3.xml><?xml version="1.0" encoding="utf-8"?>
+<ds:datastoreItem xmlns:ds="http://schemas.openxmlformats.org/officeDocument/2006/customXml" ds:itemID="{91989A13-6EBC-4BFF-A25C-E4D3CAAA08AF}">
+  <ds:schemaRefs>
+    <ds:schemaRef ds:uri="Microsoft.SharePoint.Taxonomy.ContentTypeSync"/>
+  </ds:schemaRefs>
+</ds:datastoreItem>
+</file>
+
+<file path=customXml/itemProps4.xml><?xml version="1.0" encoding="utf-8"?>
 <ds:datastoreItem xmlns:ds="http://schemas.openxmlformats.org/officeDocument/2006/customXml" ds:itemID="{68ED3CC4-90A9-4466-8611-49F71BEF9534}">
   <ds:schemaRefs>
     <ds:schemaRef ds:uri="44a56295-c29e-4898-8136-a54736c65b82"/>
@@ -37463,29 +37519,4 @@
     <ds:schemaRef ds:uri="http://www.w3.org/2001/XMLSchema"/>
   </ds:schemaRefs>
 </ds:datastoreItem>
-</file>
-
-<file path=customXml/itemProps3.xml><?xml version="1.0" encoding="utf-8"?>
-<ds:datastoreItem xmlns:ds="http://schemas.openxmlformats.org/officeDocument/2006/customXml" ds:itemID="{91989A13-6EBC-4BFF-A25C-E4D3CAAA08AF}">
-  <ds:schemaRefs>
-    <ds:schemaRef ds:uri="Microsoft.SharePoint.Taxonomy.ContentTypeSync"/>
-  </ds:schemaRefs>
-</ds:datastoreItem>
-</file>
-
-<file path=customXml/itemProps4.xml><?xml version="1.0" encoding="utf-8"?>
-<ds:datastoreItem xmlns:ds="http://schemas.openxmlformats.org/officeDocument/2006/customXml" ds:itemID="{9F6F5FD0-A94F-4E0E-8953-A634089166A9}">
-  <ds:schemaRefs>
-    <ds:schemaRef ds:uri="44a56295-c29e-4898-8136-a54736c65b82"/>
-    <ds:schemaRef ds:uri="9675ef8f-b755-4cd6-a742-8cae3d86c4fe"/>
-    <ds:schemaRef ds:uri="http://purl.org/dc/dcmitype/"/>
-    <ds:schemaRef ds:uri="http://purl.org/dc/elements/1.1/"/>
-    <ds:schemaRef ds:uri="http://purl.org/dc/terms/"/>
-    <ds:schemaRef ds:uri="http://schemas.microsoft.com/office/2006/documentManagement/types"/>
-    <ds:schemaRef ds:uri="http://schemas.microsoft.com/office/2006/metadata/properties"/>
-    <ds:schemaRef ds:uri="http://schemas.microsoft.com/office/infopath/2007/PartnerControls"/>
-    <ds:schemaRef ds:uri="http://schemas.openxmlformats.org/package/2006/metadata/core-properties"/>
-    <ds:schemaRef ds:uri="http://www.w3.org/XML/1998/namespace"/>
-  </ds:schemaRefs>
-</ds:datastoreItem>
 </file>